--- a/程序/程序/programme/two qubit gate/CZgate/IBM/ppt/IBM的CNOT门仿真初步结果.pptx
+++ b/程序/程序/programme/two qubit gate/CZgate/IBM/ppt/IBM的CNOT门仿真初步结果.pptx
@@ -31,7 +31,21 @@
     <p:sldId id="278" r:id="rId25"/>
     <p:sldId id="280" r:id="rId26"/>
     <p:sldId id="282" r:id="rId27"/>
-    <p:sldId id="281" r:id="rId28"/>
+    <p:sldId id="283" r:id="rId28"/>
+    <p:sldId id="284" r:id="rId29"/>
+    <p:sldId id="285" r:id="rId30"/>
+    <p:sldId id="287" r:id="rId31"/>
+    <p:sldId id="286" r:id="rId32"/>
+    <p:sldId id="281" r:id="rId33"/>
+    <p:sldId id="288" r:id="rId34"/>
+    <p:sldId id="289" r:id="rId35"/>
+    <p:sldId id="290" r:id="rId36"/>
+    <p:sldId id="291" r:id="rId37"/>
+    <p:sldId id="292" r:id="rId38"/>
+    <p:sldId id="293" r:id="rId39"/>
+    <p:sldId id="295" r:id="rId40"/>
+    <p:sldId id="294" r:id="rId41"/>
+    <p:sldId id="296" r:id="rId42"/>
   </p:sldIdLst>
   <p:sldSz cx="12192000" cy="6858000"/>
   <p:notesSz cx="6858000" cy="9144000"/>
@@ -165,13 +179,27 @@
         <p14:section name="4比特仿真" id="{829C1706-6FD8-46B1-8259-AC2966ED2986}">
           <p14:sldIdLst>
             <p14:sldId id="282"/>
+            <p14:sldId id="283"/>
+            <p14:sldId id="284"/>
+            <p14:sldId id="285"/>
+            <p14:sldId id="287"/>
+            <p14:sldId id="286"/>
             <p14:sldId id="281"/>
+            <p14:sldId id="288"/>
+            <p14:sldId id="289"/>
+            <p14:sldId id="290"/>
+            <p14:sldId id="291"/>
+            <p14:sldId id="292"/>
+            <p14:sldId id="293"/>
+            <p14:sldId id="295"/>
+            <p14:sldId id="294"/>
+            <p14:sldId id="296"/>
           </p14:sldIdLst>
         </p14:section>
       </p14:sectionLst>
     </p:ext>
     <p:ext uri="{EFAFB233-063F-42B5-8137-9DF3F51BA10A}">
-      <p15:sldGuideLst xmlns="" xmlns:p15="http://schemas.microsoft.com/office/powerpoint/2012/main">
+      <p15:sldGuideLst xmlns:p15="http://schemas.microsoft.com/office/powerpoint/2012/main" xmlns="">
         <p15:guide id="1" orient="horz" pos="2160">
           <p15:clr>
             <a:srgbClr val="A4A3A4"/>
@@ -319,7 +347,7 @@
           <a:p>
             <a:fld id="{12255E86-927C-44EF-8DAB-9990D9DF7E84}" type="datetimeFigureOut">
               <a:rPr lang="zh-CN" altLang="en-US" smtClean="0"/>
-              <a:t>2017/12/3</a:t>
+              <a:t>2017/12/4</a:t>
             </a:fld>
             <a:endParaRPr lang="zh-CN" altLang="en-US"/>
           </a:p>
@@ -489,7 +517,7 @@
           <a:p>
             <a:fld id="{12255E86-927C-44EF-8DAB-9990D9DF7E84}" type="datetimeFigureOut">
               <a:rPr lang="zh-CN" altLang="en-US" smtClean="0"/>
-              <a:t>2017/12/3</a:t>
+              <a:t>2017/12/4</a:t>
             </a:fld>
             <a:endParaRPr lang="zh-CN" altLang="en-US"/>
           </a:p>
@@ -669,7 +697,7 @@
           <a:p>
             <a:fld id="{12255E86-927C-44EF-8DAB-9990D9DF7E84}" type="datetimeFigureOut">
               <a:rPr lang="zh-CN" altLang="en-US" smtClean="0"/>
-              <a:t>2017/12/3</a:t>
+              <a:t>2017/12/4</a:t>
             </a:fld>
             <a:endParaRPr lang="zh-CN" altLang="en-US"/>
           </a:p>
@@ -849,7 +877,7 @@
           <a:p>
             <a:fld id="{12255E86-927C-44EF-8DAB-9990D9DF7E84}" type="datetimeFigureOut">
               <a:rPr lang="zh-CN" altLang="en-US" smtClean="0"/>
-              <a:t>2017/12/3</a:t>
+              <a:t>2017/12/4</a:t>
             </a:fld>
             <a:endParaRPr lang="zh-CN" altLang="en-US"/>
           </a:p>
@@ -1095,7 +1123,7 @@
           <a:p>
             <a:fld id="{12255E86-927C-44EF-8DAB-9990D9DF7E84}" type="datetimeFigureOut">
               <a:rPr lang="zh-CN" altLang="en-US" smtClean="0"/>
-              <a:t>2017/12/3</a:t>
+              <a:t>2017/12/4</a:t>
             </a:fld>
             <a:endParaRPr lang="zh-CN" altLang="en-US"/>
           </a:p>
@@ -1327,7 +1355,7 @@
           <a:p>
             <a:fld id="{12255E86-927C-44EF-8DAB-9990D9DF7E84}" type="datetimeFigureOut">
               <a:rPr lang="zh-CN" altLang="en-US" smtClean="0"/>
-              <a:t>2017/12/3</a:t>
+              <a:t>2017/12/4</a:t>
             </a:fld>
             <a:endParaRPr lang="zh-CN" altLang="en-US"/>
           </a:p>
@@ -1694,7 +1722,7 @@
           <a:p>
             <a:fld id="{12255E86-927C-44EF-8DAB-9990D9DF7E84}" type="datetimeFigureOut">
               <a:rPr lang="zh-CN" altLang="en-US" smtClean="0"/>
-              <a:t>2017/12/3</a:t>
+              <a:t>2017/12/4</a:t>
             </a:fld>
             <a:endParaRPr lang="zh-CN" altLang="en-US"/>
           </a:p>
@@ -1812,7 +1840,7 @@
           <a:p>
             <a:fld id="{12255E86-927C-44EF-8DAB-9990D9DF7E84}" type="datetimeFigureOut">
               <a:rPr lang="zh-CN" altLang="en-US" smtClean="0"/>
-              <a:t>2017/12/3</a:t>
+              <a:t>2017/12/4</a:t>
             </a:fld>
             <a:endParaRPr lang="zh-CN" altLang="en-US"/>
           </a:p>
@@ -1907,7 +1935,7 @@
           <a:p>
             <a:fld id="{12255E86-927C-44EF-8DAB-9990D9DF7E84}" type="datetimeFigureOut">
               <a:rPr lang="zh-CN" altLang="en-US" smtClean="0"/>
-              <a:t>2017/12/3</a:t>
+              <a:t>2017/12/4</a:t>
             </a:fld>
             <a:endParaRPr lang="zh-CN" altLang="en-US"/>
           </a:p>
@@ -2184,7 +2212,7 @@
           <a:p>
             <a:fld id="{12255E86-927C-44EF-8DAB-9990D9DF7E84}" type="datetimeFigureOut">
               <a:rPr lang="zh-CN" altLang="en-US" smtClean="0"/>
-              <a:t>2017/12/3</a:t>
+              <a:t>2017/12/4</a:t>
             </a:fld>
             <a:endParaRPr lang="zh-CN" altLang="en-US"/>
           </a:p>
@@ -2437,7 +2465,7 @@
           <a:p>
             <a:fld id="{12255E86-927C-44EF-8DAB-9990D9DF7E84}" type="datetimeFigureOut">
               <a:rPr lang="zh-CN" altLang="en-US" smtClean="0"/>
-              <a:t>2017/12/3</a:t>
+              <a:t>2017/12/4</a:t>
             </a:fld>
             <a:endParaRPr lang="zh-CN" altLang="en-US"/>
           </a:p>
@@ -2650,7 +2678,7 @@
           <a:p>
             <a:fld id="{12255E86-927C-44EF-8DAB-9990D9DF7E84}" type="datetimeFigureOut">
               <a:rPr lang="zh-CN" altLang="en-US" smtClean="0"/>
-              <a:t>2017/12/3</a:t>
+              <a:t>2017/12/4</a:t>
             </a:fld>
             <a:endParaRPr lang="zh-CN" altLang="en-US"/>
           </a:p>
@@ -11591,16 +11619,51 @@
             <a:endParaRPr lang="en-US" altLang="zh-CN" dirty="0" smtClean="0"/>
           </a:p>
           <a:p>
+            <a:pPr marL="0" indent="0">
+              <a:buNone/>
+            </a:pPr>
             <a:endParaRPr lang="en-US" altLang="zh-CN" dirty="0" smtClean="0"/>
           </a:p>
           <a:p>
             <a:r>
+              <a:rPr lang="zh-CN" altLang="en-US" dirty="0" smtClean="0"/>
+              <a:t>当</a:t>
+            </a:r>
+            <a:r>
+              <a:rPr lang="en-US" altLang="zh-CN" dirty="0" smtClean="0"/>
+              <a:t>g1</a:t>
+            </a:r>
+            <a:r>
+              <a:rPr lang="zh-CN" altLang="en-US" dirty="0" smtClean="0"/>
+              <a:t>，</a:t>
+            </a:r>
+            <a:r>
+              <a:rPr lang="en-US" altLang="zh-CN" dirty="0" smtClean="0"/>
+              <a:t>g2</a:t>
+            </a:r>
+            <a:r>
               <a:rPr lang="zh-CN" altLang="en-US" dirty="0"/>
-              <a:t>前两</a:t>
-            </a:r>
-            <a:r>
-              <a:rPr lang="zh-CN" altLang="en-US" dirty="0" smtClean="0"/>
-              <a:t>个</a:t>
+              <a:t>远</a:t>
+            </a:r>
+            <a:r>
+              <a:rPr lang="zh-CN" altLang="en-US" dirty="0" smtClean="0"/>
+              <a:t>小于</a:t>
+            </a:r>
+            <a:r>
+              <a:rPr lang="en-US" altLang="zh-CN" dirty="0" smtClean="0"/>
+              <a:t>|</a:t>
+            </a:r>
+            <a:r>
+              <a:rPr lang="el-GR" altLang="zh-CN" dirty="0" smtClean="0"/>
+              <a:t>Δ</a:t>
+            </a:r>
+            <a:r>
+              <a:rPr lang="en-US" altLang="zh-CN" dirty="0" smtClean="0"/>
+              <a:t>|</a:t>
+            </a:r>
+            <a:r>
+              <a:rPr lang="zh-CN" altLang="en-US" dirty="0" smtClean="0"/>
+              <a:t>时，前两个</a:t>
             </a:r>
             <a:r>
               <a:rPr lang="en-US" altLang="zh-CN" dirty="0" smtClean="0"/>
@@ -11608,45 +11671,29 @@
             </a:r>
             <a:r>
               <a:rPr lang="zh-CN" altLang="en-US" dirty="0" smtClean="0"/>
-              <a:t>的等效耦合强度为</a:t>
+              <a:t>的等效耦合强度为：</a:t>
+            </a:r>
+            <a:endParaRPr lang="en-US" altLang="zh-CN" dirty="0" smtClean="0"/>
+          </a:p>
+          <a:p>
+            <a:pPr marL="0" indent="0">
+              <a:buNone/>
+            </a:pPr>
+            <a:r>
+              <a:rPr lang="zh-CN" altLang="en-US" dirty="0" smtClean="0"/>
+              <a:t>在这里</a:t>
+            </a:r>
+            <a:r>
+              <a:rPr lang="el-GR" altLang="zh-CN" dirty="0" smtClean="0"/>
+              <a:t>Δ1</a:t>
             </a:r>
             <a:r>
               <a:rPr lang="en-US" altLang="zh-CN" dirty="0" smtClean="0"/>
-              <a:t/>
-            </a:r>
-            <a:br>
-              <a:rPr lang="en-US" altLang="zh-CN" dirty="0" smtClean="0"/>
-            </a:br>
-            <a:endParaRPr lang="en-US" altLang="zh-CN" dirty="0" smtClean="0"/>
-          </a:p>
-          <a:p>
-            <a:r>
-              <a:rPr lang="zh-CN" altLang="en-US" dirty="0" smtClean="0"/>
-              <a:t>当</a:t>
-            </a:r>
-            <a:r>
-              <a:rPr lang="en-US" altLang="zh-CN" dirty="0" smtClean="0"/>
-              <a:t>g1</a:t>
-            </a:r>
-            <a:r>
-              <a:rPr lang="zh-CN" altLang="en-US" dirty="0" smtClean="0"/>
-              <a:t>，</a:t>
-            </a:r>
-            <a:r>
-              <a:rPr lang="en-US" altLang="zh-CN" dirty="0" smtClean="0"/>
-              <a:t>g2</a:t>
-            </a:r>
-            <a:r>
-              <a:rPr lang="zh-CN" altLang="en-US" dirty="0"/>
-              <a:t>远</a:t>
-            </a:r>
-            <a:r>
-              <a:rPr lang="zh-CN" altLang="en-US" dirty="0" smtClean="0"/>
-              <a:t>小于</a:t>
-            </a:r>
-            <a:r>
-              <a:rPr lang="en-US" altLang="zh-CN" dirty="0" smtClean="0"/>
-              <a:t>|</a:t>
+              <a:t>=</a:t>
+            </a:r>
+            <a:r>
+              <a:rPr lang="el-GR" altLang="zh-CN" dirty="0"/>
+              <a:t> </a:t>
             </a:r>
             <a:r>
               <a:rPr lang="el-GR" altLang="zh-CN" dirty="0" smtClean="0"/>
@@ -11654,43 +11701,62 @@
             </a:r>
             <a:r>
               <a:rPr lang="en-US" altLang="zh-CN" dirty="0" smtClean="0"/>
-              <a:t>|</a:t>
-            </a:r>
-            <a:r>
-              <a:rPr lang="zh-CN" altLang="en-US" dirty="0" smtClean="0"/>
-              <a:t>：</a:t>
+              <a:t>2=-</a:t>
+            </a:r>
+            <a:r>
+              <a:rPr lang="el-GR" altLang="zh-CN" dirty="0" smtClean="0"/>
+              <a:t> Δ </a:t>
             </a:r>
             <a:endParaRPr lang="en-US" altLang="zh-CN" dirty="0" smtClean="0"/>
           </a:p>
           <a:p>
             <a:r>
               <a:rPr lang="zh-CN" altLang="en-US" dirty="0" smtClean="0"/>
-              <a:t>但是</a:t>
+              <a:t>在高频驱动低频时，</a:t>
             </a:r>
             <a:r>
               <a:rPr lang="en-US" altLang="zh-CN" dirty="0" smtClean="0"/>
-              <a:t>g1=</a:t>
-            </a:r>
-            <a:r>
-              <a:rPr lang="el-GR" altLang="zh-CN" dirty="0" smtClean="0"/>
-              <a:t>Ω</a:t>
+              <a:t>20</a:t>
+            </a:r>
+            <a:r>
+              <a:rPr lang="zh-CN" altLang="en-US" dirty="0" smtClean="0"/>
+              <a:t>态会对</a:t>
             </a:r>
             <a:r>
               <a:rPr lang="en-US" altLang="zh-CN" dirty="0" smtClean="0"/>
-              <a:t>/2</a:t>
-            </a:r>
-            <a:r>
-              <a:rPr lang="zh-CN" altLang="en-US" dirty="0" smtClean="0"/>
-              <a:t>与</a:t>
-            </a:r>
-            <a:r>
-              <a:rPr lang="el-GR" altLang="zh-CN" dirty="0" smtClean="0"/>
-              <a:t>Δ</a:t>
-            </a:r>
-            <a:r>
-              <a:rPr lang="zh-CN" altLang="en-US" dirty="0"/>
-              <a:t>相近</a:t>
-            </a:r>
+              <a:t>10—11</a:t>
+            </a:r>
+            <a:r>
+              <a:rPr lang="zh-CN" altLang="en-US" dirty="0" smtClean="0"/>
+              <a:t>间转化起到加速作用；</a:t>
+            </a:r>
+            <a:endParaRPr lang="en-US" altLang="zh-CN" dirty="0" smtClean="0"/>
+          </a:p>
+          <a:p>
+            <a:r>
+              <a:rPr lang="zh-CN" altLang="en-US" dirty="0" smtClean="0"/>
+              <a:t>在低频驱动高频时，</a:t>
+            </a:r>
+            <a:r>
+              <a:rPr lang="en-US" altLang="zh-CN" dirty="0" smtClean="0"/>
+              <a:t>20</a:t>
+            </a:r>
+            <a:r>
+              <a:rPr lang="zh-CN" altLang="en-US" dirty="0" smtClean="0"/>
+              <a:t>态会对</a:t>
+            </a:r>
+            <a:r>
+              <a:rPr lang="en-US" altLang="zh-CN" dirty="0" smtClean="0"/>
+              <a:t>10—11</a:t>
+            </a:r>
+            <a:r>
+              <a:rPr lang="zh-CN" altLang="en-US" dirty="0" smtClean="0"/>
+              <a:t>态转化起到一定抑制作用</a:t>
+            </a:r>
+            <a:endParaRPr lang="en-US" altLang="zh-CN" dirty="0" smtClean="0"/>
+          </a:p>
+          <a:p>
+            <a:endParaRPr lang="en-US" altLang="zh-CN" dirty="0" smtClean="0"/>
           </a:p>
         </p:txBody>
       </p:sp>
@@ -11760,7 +11826,7 @@
       </p:pic>
       <p:pic>
         <p:nvPicPr>
-          <p:cNvPr id="4099" name="Picture 3"/>
+          <p:cNvPr id="1026" name="Picture 2"/>
           <p:cNvPicPr>
             <a:picLocks noChangeAspect="1" noChangeArrowheads="1"/>
           </p:cNvPicPr>
@@ -11781,72 +11847,8 @@
         </p:blipFill>
         <p:spPr bwMode="auto">
           <a:xfrm>
-            <a:off x="5909882" y="2285810"/>
-            <a:ext cx="3133725" cy="695325"/>
-          </a:xfrm>
-          <a:prstGeom prst="rect">
-            <a:avLst/>
-          </a:prstGeom>
-          <a:noFill/>
-          <a:ln>
-            <a:noFill/>
-          </a:ln>
-          <a:effectLst/>
-          <a:extLst>
-            <a:ext uri="{909E8E84-426E-40DD-AFC4-6F175D3DCCD1}">
-              <a14:hiddenFill xmlns:a14="http://schemas.microsoft.com/office/drawing/2010/main">
-                <a:solidFill>
-                  <a:schemeClr val="accent1"/>
-                </a:solidFill>
-              </a14:hiddenFill>
-            </a:ext>
-            <a:ext uri="{91240B29-F687-4F45-9708-019B960494DF}">
-              <a14:hiddenLine xmlns:a14="http://schemas.microsoft.com/office/drawing/2010/main" w="9525">
-                <a:solidFill>
-                  <a:schemeClr val="tx1"/>
-                </a:solidFill>
-                <a:miter lim="800000"/>
-                <a:headEnd/>
-                <a:tailEnd/>
-              </a14:hiddenLine>
-            </a:ext>
-            <a:ext uri="{AF507438-7753-43E0-B8FC-AC1667EBCBE1}">
-              <a14:hiddenEffects xmlns:a14="http://schemas.microsoft.com/office/drawing/2010/main">
-                <a:effectLst>
-                  <a:outerShdw dist="35921" dir="2700000" algn="ctr" rotWithShape="0">
-                    <a:schemeClr val="bg2"/>
-                  </a:outerShdw>
-                </a:effectLst>
-              </a14:hiddenEffects>
-            </a:ext>
-          </a:extLst>
-        </p:spPr>
-      </p:pic>
-      <p:pic>
-        <p:nvPicPr>
-          <p:cNvPr id="4101" name="Picture 5"/>
-          <p:cNvPicPr>
-            <a:picLocks noChangeAspect="1" noChangeArrowheads="1"/>
-          </p:cNvPicPr>
-          <p:nvPr/>
-        </p:nvPicPr>
-        <p:blipFill>
-          <a:blip r:embed="rId4">
-            <a:extLst>
-              <a:ext uri="{28A0092B-C50C-407E-A947-70E740481C1C}">
-                <a14:useLocalDpi xmlns:a14="http://schemas.microsoft.com/office/drawing/2010/main" val="0"/>
-              </a:ext>
-            </a:extLst>
-          </a:blip>
-          <a:srcRect/>
-          <a:stretch>
-            <a:fillRect/>
-          </a:stretch>
-        </p:blipFill>
-        <p:spPr bwMode="auto">
-          <a:xfrm>
-            <a:off x="4688396" y="3218498"/>
-            <a:ext cx="1571625" cy="695325"/>
+            <a:off x="9756077" y="2204085"/>
+            <a:ext cx="1933575" cy="685800"/>
           </a:xfrm>
           <a:prstGeom prst="rect">
             <a:avLst/>
@@ -12096,12 +12098,453 @@
           <a:p>
             <a:pPr algn="ctr"/>
             <a:r>
-              <a:rPr lang="en-US" altLang="zh-CN" dirty="0" smtClean="0"/>
-              <a:t>4</a:t>
-            </a:r>
-            <a:r>
-              <a:rPr lang="zh-CN" altLang="en-US" dirty="0" smtClean="0"/>
-              <a:t>比特仿真</a:t>
+              <a:rPr lang="zh-CN" altLang="en-US" dirty="0" smtClean="0">
+                <a:latin typeface="+mj-ea"/>
+              </a:rPr>
+              <a:t>定义</a:t>
+            </a:r>
+            <a:r>
+              <a:rPr lang="en-US" altLang="zh-CN" dirty="0" err="1" smtClean="0">
+                <a:latin typeface="+mj-ea"/>
+              </a:rPr>
+              <a:t>Ufidelity</a:t>
+            </a:r>
+            <a:endParaRPr lang="zh-CN" altLang="en-US" dirty="0">
+              <a:latin typeface="+mj-ea"/>
+            </a:endParaRPr>
+          </a:p>
+        </p:txBody>
+      </p:sp>
+      <mc:AlternateContent xmlns:mc="http://schemas.openxmlformats.org/markup-compatibility/2006" xmlns:a14="http://schemas.microsoft.com/office/drawing/2010/main">
+        <mc:Choice Requires="a14">
+          <p:sp>
+            <p:nvSpPr>
+              <p:cNvPr id="3" name="内容占位符 2"/>
+              <p:cNvSpPr>
+                <a:spLocks noGrp="1"/>
+              </p:cNvSpPr>
+              <p:nvPr>
+                <p:ph idx="1"/>
+              </p:nvPr>
+            </p:nvSpPr>
+            <p:spPr/>
+            <p:txBody>
+              <a:bodyPr>
+                <a:normAutofit/>
+              </a:bodyPr>
+              <a:lstStyle/>
+              <a:p>
+                <a:r>
+                  <a:rPr lang="zh-CN" altLang="en-US" dirty="0" smtClean="0"/>
+                  <a:t>对于</a:t>
+                </a:r>
+                <a:r>
+                  <a:rPr lang="en-US" altLang="zh-CN" dirty="0" smtClean="0"/>
+                  <a:t>4</a:t>
+                </a:r>
+                <a:r>
+                  <a:rPr lang="zh-CN" altLang="en-US" dirty="0" smtClean="0"/>
+                  <a:t>个比特的情况，分别定初态为</a:t>
+                </a:r>
+                <a:r>
+                  <a:rPr lang="en-US" altLang="zh-CN" dirty="0" smtClean="0"/>
+                  <a:t>0000</a:t>
+                </a:r>
+                <a:r>
+                  <a:rPr lang="zh-CN" altLang="en-US" dirty="0" smtClean="0"/>
+                  <a:t>、</a:t>
+                </a:r>
+                <a:r>
+                  <a:rPr lang="en-US" altLang="zh-CN" dirty="0" smtClean="0"/>
+                  <a:t>0001~1111</a:t>
+                </a:r>
+                <a:r>
+                  <a:rPr lang="zh-CN" altLang="en-US" dirty="0" smtClean="0"/>
+                  <a:t>共</a:t>
+                </a:r>
+                <a:r>
+                  <a:rPr lang="en-US" altLang="zh-CN" dirty="0" smtClean="0"/>
+                  <a:t>16</a:t>
+                </a:r>
+                <a:r>
+                  <a:rPr lang="zh-CN" altLang="en-US" dirty="0" smtClean="0"/>
+                  <a:t>个基矢，进行态演化，得到末态，构成模拟的演化矩阵</a:t>
+                </a:r>
+                <a14:m>
+                  <m:oMath xmlns:m="http://schemas.openxmlformats.org/officeDocument/2006/math">
+                    <m:sSub>
+                      <m:sSubPr>
+                        <m:ctrlPr>
+                          <a:rPr lang="en-US" altLang="zh-CN" i="1" smtClean="0">
+                            <a:latin typeface="Cambria Math"/>
+                          </a:rPr>
+                        </m:ctrlPr>
+                      </m:sSubPr>
+                      <m:e>
+                        <m:r>
+                          <a:rPr lang="en-US" altLang="zh-CN" b="0" i="1" smtClean="0">
+                            <a:latin typeface="Cambria Math"/>
+                          </a:rPr>
+                          <m:t>𝑈</m:t>
+                        </m:r>
+                      </m:e>
+                      <m:sub>
+                        <m:r>
+                          <m:rPr>
+                            <m:sty m:val="p"/>
+                          </m:rPr>
+                          <a:rPr lang="en-US" altLang="zh-CN" i="1">
+                            <a:latin typeface="Cambria Math"/>
+                          </a:rPr>
+                          <m:t>sim</m:t>
+                        </m:r>
+                      </m:sub>
+                    </m:sSub>
+                  </m:oMath>
+                </a14:m>
+                <a:endParaRPr lang="en-US" altLang="zh-CN" dirty="0" smtClean="0"/>
+              </a:p>
+              <a:p>
+                <a:r>
+                  <a:rPr lang="zh-CN" altLang="en-US" dirty="0" smtClean="0"/>
+                  <a:t>由理想的演化矩阵</a:t>
+                </a:r>
+                <a14:m>
+                  <m:oMath xmlns:m="http://schemas.openxmlformats.org/officeDocument/2006/math">
+                    <m:sSub>
+                      <m:sSubPr>
+                        <m:ctrlPr>
+                          <a:rPr lang="en-US" altLang="zh-CN" i="1">
+                            <a:latin typeface="Cambria Math"/>
+                          </a:rPr>
+                        </m:ctrlPr>
+                      </m:sSubPr>
+                      <m:e>
+                        <m:r>
+                          <a:rPr lang="en-US" altLang="zh-CN" i="1">
+                            <a:latin typeface="Cambria Math"/>
+                          </a:rPr>
+                          <m:t>𝑈</m:t>
+                        </m:r>
+                      </m:e>
+                      <m:sub>
+                        <m:r>
+                          <m:rPr>
+                            <m:sty m:val="p"/>
+                          </m:rPr>
+                          <a:rPr lang="en-US" altLang="zh-CN" i="1">
+                            <a:latin typeface="Cambria Math"/>
+                          </a:rPr>
+                          <m:t>ideal</m:t>
+                        </m:r>
+                      </m:sub>
+                    </m:sSub>
+                  </m:oMath>
+                </a14:m>
+                <a:r>
+                  <a:rPr lang="zh-CN" altLang="en-US" dirty="0" smtClean="0"/>
+                  <a:t>计算</a:t>
+                </a:r>
+                <a:r>
+                  <a:rPr lang="en-US" altLang="zh-CN" dirty="0" smtClean="0"/>
+                  <a:t>E = </a:t>
+                </a:r>
+                <a14:m>
+                  <m:oMath xmlns:m="http://schemas.openxmlformats.org/officeDocument/2006/math">
+                    <m:sSub>
+                      <m:sSubPr>
+                        <m:ctrlPr>
+                          <a:rPr lang="en-US" altLang="zh-CN" i="1" smtClean="0">
+                            <a:latin typeface="Cambria Math"/>
+                          </a:rPr>
+                        </m:ctrlPr>
+                      </m:sSubPr>
+                      <m:e>
+                        <m:sSup>
+                          <m:sSupPr>
+                            <m:ctrlPr>
+                              <a:rPr lang="en-US" altLang="zh-CN" i="1" smtClean="0">
+                                <a:latin typeface="Cambria Math"/>
+                              </a:rPr>
+                            </m:ctrlPr>
+                          </m:sSupPr>
+                          <m:e>
+                            <m:r>
+                              <a:rPr lang="en-US" altLang="zh-CN" b="0" i="1" smtClean="0">
+                                <a:latin typeface="Cambria Math"/>
+                              </a:rPr>
+                              <m:t>𝑈</m:t>
+                            </m:r>
+                          </m:e>
+                          <m:sup>
+                            <m:r>
+                              <a:rPr lang="en-US" altLang="zh-CN" b="0" i="1" smtClean="0">
+                                <a:latin typeface="Cambria Math"/>
+                              </a:rPr>
+                              <m:t>+</m:t>
+                            </m:r>
+                          </m:sup>
+                        </m:sSup>
+                      </m:e>
+                      <m:sub>
+                        <m:r>
+                          <m:rPr>
+                            <m:sty m:val="p"/>
+                          </m:rPr>
+                          <a:rPr lang="en-US" altLang="zh-CN" i="1">
+                            <a:latin typeface="Cambria Math"/>
+                          </a:rPr>
+                          <m:t>ideal</m:t>
+                        </m:r>
+                      </m:sub>
+                    </m:sSub>
+                  </m:oMath>
+                </a14:m>
+                <a:r>
+                  <a:rPr lang="en-US" altLang="zh-CN" dirty="0"/>
+                  <a:t> </a:t>
+                </a:r>
+                <a14:m>
+                  <m:oMath xmlns:m="http://schemas.openxmlformats.org/officeDocument/2006/math">
+                    <m:sSub>
+                      <m:sSubPr>
+                        <m:ctrlPr>
+                          <a:rPr lang="en-US" altLang="zh-CN" i="1">
+                            <a:latin typeface="Cambria Math"/>
+                          </a:rPr>
+                        </m:ctrlPr>
+                      </m:sSubPr>
+                      <m:e>
+                        <m:r>
+                          <a:rPr lang="en-US" altLang="zh-CN" i="1">
+                            <a:latin typeface="Cambria Math"/>
+                          </a:rPr>
+                          <m:t>𝑈</m:t>
+                        </m:r>
+                      </m:e>
+                      <m:sub>
+                        <m:r>
+                          <m:rPr>
+                            <m:sty m:val="p"/>
+                          </m:rPr>
+                          <a:rPr lang="en-US" altLang="zh-CN" i="1">
+                            <a:latin typeface="Cambria Math"/>
+                          </a:rPr>
+                          <m:t>sim</m:t>
+                        </m:r>
+                      </m:sub>
+                    </m:sSub>
+                  </m:oMath>
+                </a14:m>
+                <a:r>
+                  <a:rPr lang="zh-CN" altLang="en-US" dirty="0" smtClean="0"/>
+                  <a:t>，则</a:t>
+                </a:r>
+                <a:r>
+                  <a:rPr lang="en-US" altLang="zh-CN" dirty="0" err="1" smtClean="0"/>
+                  <a:t>Ufidelity</a:t>
+                </a:r>
+                <a:r>
+                  <a:rPr lang="en-US" altLang="zh-CN" dirty="0" smtClean="0"/>
+                  <a:t>=abs(</a:t>
+                </a:r>
+                <a:r>
+                  <a:rPr lang="en-US" altLang="zh-CN" dirty="0" err="1" smtClean="0"/>
+                  <a:t>tr</a:t>
+                </a:r>
+                <a:r>
+                  <a:rPr lang="en-US" altLang="zh-CN" dirty="0" smtClean="0"/>
+                  <a:t>(E))</a:t>
+                </a:r>
+                <a:r>
+                  <a:rPr lang="zh-CN" altLang="en-US" dirty="0" smtClean="0"/>
+                  <a:t>。</a:t>
+                </a:r>
+                <a:r>
+                  <a:rPr lang="en-US" altLang="zh-CN" dirty="0" smtClean="0"/>
+                  <a:t>(E</a:t>
+                </a:r>
+                <a:r>
+                  <a:rPr lang="zh-CN" altLang="en-US" dirty="0" smtClean="0"/>
+                  <a:t>的理想形式是单位矩阵</a:t>
+                </a:r>
+                <a:r>
+                  <a:rPr lang="en-US" altLang="zh-CN" dirty="0" smtClean="0"/>
+                  <a:t>I)</a:t>
+                </a:r>
+              </a:p>
+              <a:p>
+                <a:r>
+                  <a:rPr lang="zh-CN" altLang="en-US" dirty="0" smtClean="0"/>
+                  <a:t>这个</a:t>
+                </a:r>
+                <a:r>
+                  <a:rPr lang="en-US" altLang="zh-CN" dirty="0" err="1" smtClean="0"/>
+                  <a:t>Ufidelity</a:t>
+                </a:r>
+                <a:r>
+                  <a:rPr lang="zh-CN" altLang="en-US" dirty="0" smtClean="0"/>
+                  <a:t>是整个希尔伯特空间保真度平均值的下限</a:t>
+                </a:r>
+                <a:endParaRPr lang="en-US" altLang="zh-CN" dirty="0" smtClean="0"/>
+              </a:p>
+              <a:p>
+                <a:endParaRPr lang="zh-CN" altLang="en-US" dirty="0"/>
+              </a:p>
+            </p:txBody>
+          </p:sp>
+        </mc:Choice>
+        <mc:Fallback xmlns="">
+          <p:sp>
+            <p:nvSpPr>
+              <p:cNvPr id="3" name="内容占位符 2"/>
+              <p:cNvSpPr>
+                <a:spLocks noGrp="1" noRot="1" noChangeAspect="1" noMove="1" noResize="1" noEditPoints="1" noAdjustHandles="1" noChangeArrowheads="1" noChangeShapeType="1" noTextEdit="1"/>
+              </p:cNvSpPr>
+              <p:nvPr>
+                <p:ph idx="1"/>
+              </p:nvPr>
+            </p:nvSpPr>
+            <p:spPr>
+              <a:blipFill rotWithShape="1">
+                <a:blip r:embed="rId2"/>
+                <a:stretch>
+                  <a:fillRect l="-1043" t="-2571"/>
+                </a:stretch>
+              </a:blipFill>
+            </p:spPr>
+            <p:txBody>
+              <a:bodyPr/>
+              <a:lstStyle/>
+              <a:p>
+                <a:r>
+                  <a:rPr lang="zh-CN" altLang="en-US">
+                    <a:noFill/>
+                  </a:rPr>
+                  <a:t> </a:t>
+                </a:r>
+              </a:p>
+            </p:txBody>
+          </p:sp>
+        </mc:Fallback>
+      </mc:AlternateContent>
+      <p:pic>
+        <p:nvPicPr>
+          <p:cNvPr id="1026" name="Picture 2"/>
+          <p:cNvPicPr>
+            <a:picLocks noChangeAspect="1" noChangeArrowheads="1"/>
+          </p:cNvPicPr>
+          <p:nvPr/>
+        </p:nvPicPr>
+        <p:blipFill>
+          <a:blip r:embed="rId3">
+            <a:extLst>
+              <a:ext uri="{28A0092B-C50C-407E-A947-70E740481C1C}">
+                <a14:useLocalDpi xmlns:a14="http://schemas.microsoft.com/office/drawing/2010/main" val="0"/>
+              </a:ext>
+            </a:extLst>
+          </a:blip>
+          <a:srcRect/>
+          <a:stretch>
+            <a:fillRect/>
+          </a:stretch>
+        </p:blipFill>
+        <p:spPr bwMode="auto">
+          <a:xfrm>
+            <a:off x="1836609" y="3870198"/>
+            <a:ext cx="8372475" cy="2171700"/>
+          </a:xfrm>
+          <a:prstGeom prst="rect">
+            <a:avLst/>
+          </a:prstGeom>
+          <a:noFill/>
+          <a:ln>
+            <a:noFill/>
+          </a:ln>
+          <a:effectLst/>
+          <a:extLst>
+            <a:ext uri="{909E8E84-426E-40DD-AFC4-6F175D3DCCD1}">
+              <a14:hiddenFill xmlns:a14="http://schemas.microsoft.com/office/drawing/2010/main">
+                <a:solidFill>
+                  <a:schemeClr val="accent1"/>
+                </a:solidFill>
+              </a14:hiddenFill>
+            </a:ext>
+            <a:ext uri="{91240B29-F687-4F45-9708-019B960494DF}">
+              <a14:hiddenLine xmlns:a14="http://schemas.microsoft.com/office/drawing/2010/main" w="9525">
+                <a:solidFill>
+                  <a:schemeClr val="tx1"/>
+                </a:solidFill>
+                <a:miter lim="800000"/>
+                <a:headEnd/>
+                <a:tailEnd/>
+              </a14:hiddenLine>
+            </a:ext>
+            <a:ext uri="{AF507438-7753-43E0-B8FC-AC1667EBCBE1}">
+              <a14:hiddenEffects xmlns:a14="http://schemas.microsoft.com/office/drawing/2010/main">
+                <a:effectLst>
+                  <a:outerShdw dist="35921" dir="2700000" algn="ctr" rotWithShape="0">
+                    <a:schemeClr val="bg2"/>
+                  </a:outerShdw>
+                </a:effectLst>
+              </a14:hiddenEffects>
+            </a:ext>
+          </a:extLst>
+        </p:spPr>
+      </p:pic>
+    </p:spTree>
+    <p:extLst>
+      <p:ext uri="{BB962C8B-B14F-4D97-AF65-F5344CB8AC3E}">
+        <p14:creationId xmlns:p14="http://schemas.microsoft.com/office/powerpoint/2010/main" val="2287461011"/>
+      </p:ext>
+    </p:extLst>
+  </p:cSld>
+  <p:clrMapOvr>
+    <a:masterClrMapping/>
+  </p:clrMapOvr>
+</p:sld>
+</file>
+
+<file path=ppt/slides/slide28.xml><?xml version="1.0" encoding="utf-8"?>
+<p:sld xmlns:a="http://schemas.openxmlformats.org/drawingml/2006/main" xmlns:r="http://schemas.openxmlformats.org/officeDocument/2006/relationships" xmlns:p="http://schemas.openxmlformats.org/presentationml/2006/main">
+  <p:cSld>
+    <p:spTree>
+      <p:nvGrpSpPr>
+        <p:cNvPr id="1" name=""/>
+        <p:cNvGrpSpPr/>
+        <p:nvPr/>
+      </p:nvGrpSpPr>
+      <p:grpSpPr>
+        <a:xfrm>
+          <a:off x="0" y="0"/>
+          <a:ext cx="0" cy="0"/>
+          <a:chOff x="0" y="0"/>
+          <a:chExt cx="0" cy="0"/>
+        </a:xfrm>
+      </p:grpSpPr>
+      <p:sp>
+        <p:nvSpPr>
+          <p:cNvPr id="2" name="标题 1"/>
+          <p:cNvSpPr>
+            <a:spLocks noGrp="1"/>
+          </p:cNvSpPr>
+          <p:nvPr>
+            <p:ph type="title"/>
+          </p:nvPr>
+        </p:nvSpPr>
+        <p:spPr/>
+        <p:txBody>
+          <a:bodyPr/>
+          <a:lstStyle/>
+          <a:p>
+            <a:pPr algn="ctr"/>
+            <a:r>
+              <a:rPr lang="zh-CN" altLang="en-US" dirty="0"/>
+              <a:t>旋转</a:t>
+            </a:r>
+            <a:r>
+              <a:rPr lang="zh-CN" altLang="en-US" dirty="0" smtClean="0"/>
+              <a:t>坐标系的定义</a:t>
             </a:r>
             <a:endParaRPr lang="zh-CN" altLang="en-US" dirty="0"/>
           </a:p>
@@ -12123,399 +12566,343 @@
           <a:lstStyle/>
           <a:p>
             <a:r>
-              <a:rPr lang="en-US" altLang="zh-CN" sz="2400" dirty="0" smtClean="0"/>
-              <a:t>0~1~2~3</a:t>
-            </a:r>
-            <a:r>
-              <a:rPr lang="zh-CN" altLang="en-US" sz="2400" dirty="0" smtClean="0"/>
-              <a:t>四个比特，比特</a:t>
-            </a:r>
-            <a:r>
-              <a:rPr lang="en-US" altLang="zh-CN" sz="2400" dirty="0" smtClean="0"/>
+              <a:rPr lang="zh-CN" altLang="en-US" dirty="0" smtClean="0"/>
+              <a:t>现在旋转坐标系频率选取一般都为周围比特状态为</a:t>
+            </a:r>
+            <a:r>
+              <a:rPr lang="en-US" altLang="zh-CN" dirty="0" smtClean="0"/>
+              <a:t>0</a:t>
+            </a:r>
+            <a:r>
+              <a:rPr lang="zh-CN" altLang="en-US" dirty="0" smtClean="0"/>
+              <a:t>时的共振频率</a:t>
+            </a:r>
+            <a:r>
+              <a:rPr lang="en-US" altLang="zh-CN" dirty="0" smtClean="0"/>
+              <a:t>f01</a:t>
+            </a:r>
+            <a:r>
+              <a:rPr lang="zh-CN" altLang="en-US" dirty="0" smtClean="0"/>
+              <a:t>，这就会导致一个问题：在这个旋转坐标系下，比特间的耦合导致的频率偏移并不是</a:t>
+            </a:r>
+            <a:r>
+              <a:rPr lang="en-US" altLang="zh-CN" dirty="0" smtClean="0"/>
+              <a:t>ZZ</a:t>
+            </a:r>
+            <a:r>
+              <a:rPr lang="zh-CN" altLang="en-US" dirty="0" smtClean="0"/>
+              <a:t>，而是</a:t>
+            </a:r>
+            <a:r>
+              <a:rPr lang="en-US" altLang="zh-CN" dirty="0" smtClean="0"/>
+              <a:t>NN</a:t>
+            </a:r>
+            <a:r>
+              <a:rPr lang="zh-CN" altLang="en-US" dirty="0" smtClean="0"/>
+              <a:t>，即周围比特为</a:t>
+            </a:r>
+            <a:r>
+              <a:rPr lang="en-US" altLang="zh-CN" dirty="0" smtClean="0"/>
+              <a:t>0</a:t>
+            </a:r>
+            <a:r>
+              <a:rPr lang="zh-CN" altLang="en-US" dirty="0" smtClean="0"/>
+              <a:t>时，没有频率偏移；周围比特为</a:t>
+            </a:r>
+            <a:r>
+              <a:rPr lang="en-US" altLang="zh-CN" dirty="0" smtClean="0"/>
               <a:t>1</a:t>
             </a:r>
             <a:r>
-              <a:rPr lang="zh-CN" altLang="en-US" sz="2400" dirty="0" smtClean="0"/>
-              <a:t>作为</a:t>
-            </a:r>
-            <a:r>
-              <a:rPr lang="en-US" altLang="zh-CN" sz="2400" dirty="0" smtClean="0"/>
-              <a:t>control </a:t>
-            </a:r>
-            <a:r>
-              <a:rPr lang="en-US" altLang="zh-CN" sz="2400" dirty="0" err="1" smtClean="0"/>
-              <a:t>qubit</a:t>
-            </a:r>
-            <a:r>
-              <a:rPr lang="zh-CN" altLang="en-US" sz="2400" dirty="0" smtClean="0"/>
-              <a:t>，比特</a:t>
-            </a:r>
-            <a:r>
-              <a:rPr lang="en-US" altLang="zh-CN" sz="2400" dirty="0" smtClean="0"/>
-              <a:t>2</a:t>
-            </a:r>
-            <a:r>
-              <a:rPr lang="zh-CN" altLang="en-US" sz="2400" dirty="0" smtClean="0"/>
-              <a:t>最为</a:t>
-            </a:r>
-            <a:r>
-              <a:rPr lang="en-US" altLang="zh-CN" sz="2400" dirty="0" smtClean="0"/>
-              <a:t>target </a:t>
-            </a:r>
-            <a:r>
-              <a:rPr lang="en-US" altLang="zh-CN" sz="2400" dirty="0" err="1" smtClean="0"/>
-              <a:t>qubit</a:t>
-            </a:r>
-            <a:endParaRPr lang="en-US" altLang="zh-CN" sz="2400" dirty="0" smtClean="0"/>
-          </a:p>
-          <a:p>
-            <a:r>
-              <a:rPr lang="zh-CN" altLang="en-US" sz="2400" dirty="0" smtClean="0"/>
-              <a:t>先只考虑</a:t>
-            </a:r>
-            <a:r>
-              <a:rPr lang="en-US" altLang="zh-CN" sz="2400" dirty="0" smtClean="0"/>
-              <a:t>1~2</a:t>
-            </a:r>
-            <a:r>
-              <a:rPr lang="zh-CN" altLang="en-US" sz="2400" dirty="0" smtClean="0"/>
-              <a:t>间的</a:t>
-            </a:r>
-            <a:r>
-              <a:rPr lang="en-US" altLang="zh-CN" sz="2400" dirty="0" smtClean="0"/>
-              <a:t>CR</a:t>
-            </a:r>
-            <a:r>
-              <a:rPr lang="zh-CN" altLang="en-US" sz="2400" dirty="0" smtClean="0"/>
-              <a:t>门：</a:t>
-            </a:r>
-            <a:r>
-              <a:rPr lang="en-US" altLang="zh-CN" sz="2400" dirty="0" err="1" smtClean="0"/>
-              <a:t>tp</a:t>
-            </a:r>
-            <a:r>
-              <a:rPr lang="en-US" altLang="zh-CN" sz="2400" dirty="0" smtClean="0"/>
-              <a:t>=83.3ns</a:t>
-            </a:r>
-            <a:r>
-              <a:rPr lang="zh-CN" altLang="en-US" sz="2400" dirty="0" smtClean="0"/>
-              <a:t>，</a:t>
-            </a:r>
-            <a:r>
-              <a:rPr lang="en-US" altLang="zh-CN" sz="2400" dirty="0" smtClean="0"/>
-              <a:t>A = 28.16M</a:t>
-            </a:r>
-          </a:p>
-          <a:p>
-            <a:pPr marL="0" indent="0">
-              <a:buNone/>
-            </a:pPr>
-            <a:r>
-              <a:rPr lang="zh-CN" altLang="en-US" sz="2400" dirty="0" smtClean="0"/>
-              <a:t>（对每个比特的相位补偿都很小，都取为</a:t>
-            </a:r>
-            <a:r>
-              <a:rPr lang="en-US" altLang="zh-CN" sz="2400" dirty="0" smtClean="0"/>
-              <a:t>0</a:t>
-            </a:r>
-            <a:r>
-              <a:rPr lang="zh-CN" altLang="en-US" sz="2400" dirty="0" smtClean="0"/>
-              <a:t>）</a:t>
-            </a:r>
-            <a:endParaRPr lang="zh-CN" altLang="en-US" sz="2400" dirty="0"/>
+              <a:rPr lang="zh-CN" altLang="en-US" dirty="0" smtClean="0"/>
+              <a:t>时，有频率偏移。</a:t>
+            </a:r>
+            <a:endParaRPr lang="en-US" altLang="zh-CN" dirty="0" smtClean="0"/>
+          </a:p>
+          <a:p>
+            <a:r>
+              <a:rPr lang="zh-CN" altLang="en-US" dirty="0" smtClean="0"/>
+              <a:t>这样通过加</a:t>
+            </a:r>
+            <a:r>
+              <a:rPr lang="en-US" altLang="zh-CN" dirty="0" smtClean="0"/>
+              <a:t>X</a:t>
+            </a:r>
+            <a:r>
+              <a:rPr lang="zh-CN" altLang="en-US" dirty="0" smtClean="0"/>
+              <a:t>波进行</a:t>
+            </a:r>
+            <a:r>
+              <a:rPr lang="en-US" altLang="zh-CN" dirty="0" smtClean="0"/>
+              <a:t>dynamical decoupling </a:t>
+            </a:r>
+            <a:r>
+              <a:rPr lang="zh-CN" altLang="en-US" dirty="0" smtClean="0"/>
+              <a:t>不会消掉耦合导致的能级偏移，而是无论周围比特状态如何，固定积累一个相位，需要利用施加在比特上的</a:t>
+            </a:r>
+            <a:r>
+              <a:rPr lang="zh-CN" altLang="en-US" dirty="0"/>
+              <a:t>相位</a:t>
+            </a:r>
+            <a:r>
+              <a:rPr lang="zh-CN" altLang="en-US" dirty="0" smtClean="0"/>
+              <a:t>门调制</a:t>
+            </a:r>
+            <a:endParaRPr lang="zh-CN" altLang="en-US" dirty="0"/>
           </a:p>
         </p:txBody>
       </p:sp>
-      <p:graphicFrame>
-        <p:nvGraphicFramePr>
-          <p:cNvPr id="4" name="表格 3"/>
-          <p:cNvGraphicFramePr>
-            <a:graphicFrameLocks noGrp="1"/>
-          </p:cNvGraphicFramePr>
-          <p:nvPr>
-            <p:extLst>
-              <p:ext uri="{D42A27DB-BD31-4B8C-83A1-F6EECF244321}">
-                <p14:modId xmlns:p14="http://schemas.microsoft.com/office/powerpoint/2010/main" val="3780829092"/>
-              </p:ext>
-            </p:extLst>
-          </p:nvPr>
-        </p:nvGraphicFramePr>
-        <p:xfrm>
-          <a:off x="1730248" y="2868506"/>
-          <a:ext cx="8128000" cy="1483360"/>
-        </p:xfrm>
-        <a:graphic>
-          <a:graphicData uri="http://schemas.openxmlformats.org/drawingml/2006/table">
-            <a:tbl>
-              <a:tblPr firstRow="1" bandRow="1">
-                <a:tableStyleId>{5C22544A-7EE6-4342-B048-85BDC9FD1C3A}</a:tableStyleId>
-              </a:tblPr>
-              <a:tblGrid>
-                <a:gridCol w="2032000"/>
-                <a:gridCol w="2032000"/>
-                <a:gridCol w="2032000"/>
-                <a:gridCol w="2032000"/>
-              </a:tblGrid>
-              <a:tr h="370840">
-                <a:tc>
-                  <a:txBody>
-                    <a:bodyPr/>
-                    <a:lstStyle/>
-                    <a:p>
-                      <a:r>
-                        <a:rPr lang="zh-CN" altLang="en-US" dirty="0" smtClean="0"/>
-                        <a:t>类型</a:t>
-                      </a:r>
-                      <a:endParaRPr lang="zh-CN" altLang="en-US" dirty="0"/>
-                    </a:p>
-                  </a:txBody>
-                  <a:tcPr/>
-                </a:tc>
-                <a:tc>
-                  <a:txBody>
-                    <a:bodyPr/>
-                    <a:lstStyle/>
-                    <a:p>
-                      <a:r>
-                        <a:rPr lang="en-US" altLang="zh-CN" dirty="0" smtClean="0"/>
-                        <a:t>Leakage</a:t>
-                      </a:r>
-                      <a:endParaRPr lang="zh-CN" altLang="en-US" dirty="0"/>
-                    </a:p>
-                  </a:txBody>
-                  <a:tcPr/>
-                </a:tc>
-                <a:tc>
-                  <a:txBody>
-                    <a:bodyPr/>
-                    <a:lstStyle/>
-                    <a:p>
-                      <a:r>
-                        <a:rPr lang="en-US" altLang="zh-CN" dirty="0" err="1" smtClean="0"/>
-                        <a:t>Sfidelity</a:t>
-                      </a:r>
-                      <a:endParaRPr lang="zh-CN" altLang="en-US" dirty="0"/>
-                    </a:p>
-                  </a:txBody>
-                  <a:tcPr/>
-                </a:tc>
-                <a:tc>
-                  <a:txBody>
-                    <a:bodyPr/>
-                    <a:lstStyle/>
-                    <a:p>
-                      <a:r>
-                        <a:rPr lang="en-US" altLang="zh-CN" dirty="0" err="1" smtClean="0"/>
-                        <a:t>Ufidelity</a:t>
-                      </a:r>
-                      <a:endParaRPr lang="zh-CN" altLang="en-US" dirty="0"/>
-                    </a:p>
-                  </a:txBody>
-                  <a:tcPr/>
-                </a:tc>
-              </a:tr>
-              <a:tr h="370840">
-                <a:tc>
-                  <a:txBody>
-                    <a:bodyPr/>
-                    <a:lstStyle/>
-                    <a:p>
-                      <a:r>
-                        <a:rPr lang="en-US" altLang="zh-CN" dirty="0" smtClean="0"/>
-                        <a:t>2</a:t>
-                      </a:r>
-                      <a:r>
-                        <a:rPr lang="zh-CN" altLang="en-US" dirty="0" smtClean="0"/>
-                        <a:t>比特</a:t>
-                      </a:r>
-                      <a:endParaRPr lang="zh-CN" altLang="en-US" dirty="0"/>
-                    </a:p>
-                  </a:txBody>
-                  <a:tcPr/>
-                </a:tc>
-                <a:tc>
-                  <a:txBody>
-                    <a:bodyPr/>
-                    <a:lstStyle/>
-                    <a:p>
-                      <a:r>
-                        <a:rPr lang="en-US" altLang="zh-CN" dirty="0" smtClean="0"/>
-                        <a:t>4.93e-4</a:t>
-                      </a:r>
-                      <a:endParaRPr lang="zh-CN" altLang="en-US" dirty="0"/>
-                    </a:p>
-                  </a:txBody>
-                  <a:tcPr/>
-                </a:tc>
-                <a:tc>
-                  <a:txBody>
-                    <a:bodyPr/>
-                    <a:lstStyle/>
-                    <a:p>
-                      <a:r>
-                        <a:rPr lang="en-US" altLang="zh-CN" dirty="0" smtClean="0"/>
-                        <a:t>0.9989</a:t>
-                      </a:r>
-                      <a:endParaRPr lang="zh-CN" altLang="en-US" dirty="0"/>
-                    </a:p>
-                  </a:txBody>
-                  <a:tcPr/>
-                </a:tc>
-                <a:tc>
-                  <a:txBody>
-                    <a:bodyPr/>
-                    <a:lstStyle/>
-                    <a:p>
-                      <a:r>
-                        <a:rPr lang="en-US" altLang="zh-CN" dirty="0" smtClean="0"/>
-                        <a:t>0.9986</a:t>
-                      </a:r>
-                      <a:endParaRPr lang="zh-CN" altLang="en-US" dirty="0"/>
-                    </a:p>
-                  </a:txBody>
-                  <a:tcPr/>
-                </a:tc>
-              </a:tr>
-              <a:tr h="370840">
-                <a:tc>
-                  <a:txBody>
-                    <a:bodyPr/>
-                    <a:lstStyle/>
-                    <a:p>
-                      <a:r>
-                        <a:rPr lang="en-US" altLang="zh-CN" dirty="0" smtClean="0"/>
-                        <a:t>4</a:t>
-                      </a:r>
-                      <a:r>
-                        <a:rPr lang="zh-CN" altLang="en-US" dirty="0" smtClean="0"/>
-                        <a:t>比特</a:t>
-                      </a:r>
-                      <a:endParaRPr lang="en-US" altLang="zh-CN" dirty="0" smtClean="0"/>
-                    </a:p>
-                  </a:txBody>
-                  <a:tcPr/>
-                </a:tc>
-                <a:tc>
-                  <a:txBody>
-                    <a:bodyPr/>
-                    <a:lstStyle/>
-                    <a:p>
-                      <a:r>
-                        <a:rPr lang="en-US" altLang="zh-CN" dirty="0" smtClean="0"/>
-                        <a:t>6.58e-5</a:t>
-                      </a:r>
-                      <a:endParaRPr lang="zh-CN" altLang="en-US" dirty="0"/>
-                    </a:p>
-                  </a:txBody>
-                  <a:tcPr/>
-                </a:tc>
-                <a:tc>
-                  <a:txBody>
-                    <a:bodyPr/>
-                    <a:lstStyle/>
-                    <a:p>
-                      <a:r>
-                        <a:rPr lang="en-US" altLang="zh-CN" dirty="0" smtClean="0"/>
-                        <a:t>0.9954</a:t>
-                      </a:r>
-                      <a:endParaRPr lang="zh-CN" altLang="en-US" dirty="0"/>
-                    </a:p>
-                  </a:txBody>
-                  <a:tcPr/>
-                </a:tc>
-                <a:tc>
-                  <a:txBody>
-                    <a:bodyPr/>
-                    <a:lstStyle/>
-                    <a:p>
-                      <a:r>
-                        <a:rPr lang="en-US" altLang="zh-CN" dirty="0" smtClean="0"/>
-                        <a:t>0.9950</a:t>
-                      </a:r>
-                      <a:endParaRPr lang="zh-CN" altLang="en-US" dirty="0"/>
-                    </a:p>
-                  </a:txBody>
-                  <a:tcPr/>
-                </a:tc>
-              </a:tr>
-              <a:tr h="370840">
-                <a:tc>
-                  <a:txBody>
-                    <a:bodyPr/>
-                    <a:lstStyle/>
-                    <a:p>
-                      <a:r>
-                        <a:rPr lang="en-US" altLang="zh-CN" dirty="0" smtClean="0"/>
-                        <a:t>4</a:t>
-                      </a:r>
-                      <a:r>
-                        <a:rPr lang="zh-CN" altLang="en-US" dirty="0" smtClean="0"/>
-                        <a:t>比特（无</a:t>
-                      </a:r>
-                      <a:r>
-                        <a:rPr lang="en-US" altLang="zh-CN" dirty="0" smtClean="0"/>
-                        <a:t>X</a:t>
-                      </a:r>
-                      <a:r>
-                        <a:rPr lang="zh-CN" altLang="en-US" dirty="0" smtClean="0"/>
-                        <a:t>门）</a:t>
-                      </a:r>
-                      <a:endParaRPr lang="zh-CN" altLang="en-US" dirty="0"/>
-                    </a:p>
-                  </a:txBody>
-                  <a:tcPr/>
-                </a:tc>
-                <a:tc>
-                  <a:txBody>
-                    <a:bodyPr/>
-                    <a:lstStyle/>
-                    <a:p>
-                      <a:r>
-                        <a:rPr lang="en-US" altLang="zh-CN" dirty="0" smtClean="0"/>
-                        <a:t>6.70e-5</a:t>
-                      </a:r>
-                      <a:endParaRPr lang="zh-CN" altLang="en-US" dirty="0"/>
-                    </a:p>
-                  </a:txBody>
-                  <a:tcPr/>
-                </a:tc>
-                <a:tc>
-                  <a:txBody>
-                    <a:bodyPr/>
-                    <a:lstStyle/>
-                    <a:p>
-                      <a:r>
-                        <a:rPr lang="en-US" altLang="zh-CN" dirty="0" smtClean="0"/>
-                        <a:t>0.9939</a:t>
-                      </a:r>
-                      <a:endParaRPr lang="zh-CN" altLang="en-US" dirty="0"/>
-                    </a:p>
-                  </a:txBody>
-                  <a:tcPr/>
-                </a:tc>
-                <a:tc>
-                  <a:txBody>
-                    <a:bodyPr/>
-                    <a:lstStyle/>
-                    <a:p>
-                      <a:r>
-                        <a:rPr lang="en-US" altLang="zh-CN" dirty="0" smtClean="0"/>
-                        <a:t>0.9921</a:t>
-                      </a:r>
-                      <a:endParaRPr lang="zh-CN" altLang="en-US" dirty="0"/>
-                    </a:p>
-                  </a:txBody>
-                  <a:tcPr/>
-                </a:tc>
-              </a:tr>
-            </a:tbl>
-          </a:graphicData>
-        </a:graphic>
-      </p:graphicFrame>
+      <p:pic>
+        <p:nvPicPr>
+          <p:cNvPr id="2051" name="Picture 3"/>
+          <p:cNvPicPr>
+            <a:picLocks noChangeAspect="1" noChangeArrowheads="1"/>
+          </p:cNvPicPr>
+          <p:nvPr/>
+        </p:nvPicPr>
+        <p:blipFill>
+          <a:blip r:embed="rId2">
+            <a:extLst>
+              <a:ext uri="{28A0092B-C50C-407E-A947-70E740481C1C}">
+                <a14:useLocalDpi xmlns:a14="http://schemas.microsoft.com/office/drawing/2010/main" val="0"/>
+              </a:ext>
+            </a:extLst>
+          </a:blip>
+          <a:srcRect/>
+          <a:stretch>
+            <a:fillRect/>
+          </a:stretch>
+        </p:blipFill>
+        <p:spPr bwMode="auto">
+          <a:xfrm>
+            <a:off x="4852035" y="4592193"/>
+            <a:ext cx="1847850" cy="819150"/>
+          </a:xfrm>
+          <a:prstGeom prst="rect">
+            <a:avLst/>
+          </a:prstGeom>
+          <a:noFill/>
+          <a:ln>
+            <a:noFill/>
+          </a:ln>
+          <a:effectLst/>
+          <a:extLst>
+            <a:ext uri="{909E8E84-426E-40DD-AFC4-6F175D3DCCD1}">
+              <a14:hiddenFill xmlns:a14="http://schemas.microsoft.com/office/drawing/2010/main">
+                <a:solidFill>
+                  <a:schemeClr val="accent1"/>
+                </a:solidFill>
+              </a14:hiddenFill>
+            </a:ext>
+            <a:ext uri="{91240B29-F687-4F45-9708-019B960494DF}">
+              <a14:hiddenLine xmlns:a14="http://schemas.microsoft.com/office/drawing/2010/main" w="9525">
+                <a:solidFill>
+                  <a:schemeClr val="tx1"/>
+                </a:solidFill>
+                <a:miter lim="800000"/>
+                <a:headEnd/>
+                <a:tailEnd/>
+              </a14:hiddenLine>
+            </a:ext>
+            <a:ext uri="{AF507438-7753-43E0-B8FC-AC1667EBCBE1}">
+              <a14:hiddenEffects xmlns:a14="http://schemas.microsoft.com/office/drawing/2010/main">
+                <a:effectLst>
+                  <a:outerShdw dist="35921" dir="2700000" algn="ctr" rotWithShape="0">
+                    <a:schemeClr val="bg2"/>
+                  </a:outerShdw>
+                </a:effectLst>
+              </a14:hiddenEffects>
+            </a:ext>
+          </a:extLst>
+        </p:spPr>
+      </p:pic>
     </p:spTree>
     <p:extLst>
       <p:ext uri="{BB962C8B-B14F-4D97-AF65-F5344CB8AC3E}">
-        <p14:creationId xmlns:p14="http://schemas.microsoft.com/office/powerpoint/2010/main" val="3754319204"/>
+        <p14:creationId xmlns:p14="http://schemas.microsoft.com/office/powerpoint/2010/main" val="2074791965"/>
+      </p:ext>
+    </p:extLst>
+  </p:cSld>
+  <p:clrMapOvr>
+    <a:masterClrMapping/>
+  </p:clrMapOvr>
+</p:sld>
+</file>
+
+<file path=ppt/slides/slide29.xml><?xml version="1.0" encoding="utf-8"?>
+<p:sld xmlns:a="http://schemas.openxmlformats.org/drawingml/2006/main" xmlns:r="http://schemas.openxmlformats.org/officeDocument/2006/relationships" xmlns:p="http://schemas.openxmlformats.org/presentationml/2006/main">
+  <p:cSld>
+    <p:spTree>
+      <p:nvGrpSpPr>
+        <p:cNvPr id="1" name=""/>
+        <p:cNvGrpSpPr/>
+        <p:nvPr/>
+      </p:nvGrpSpPr>
+      <p:grpSpPr>
+        <a:xfrm>
+          <a:off x="0" y="0"/>
+          <a:ext cx="0" cy="0"/>
+          <a:chOff x="0" y="0"/>
+          <a:chExt cx="0" cy="0"/>
+        </a:xfrm>
+      </p:grpSpPr>
+      <p:sp>
+        <p:nvSpPr>
+          <p:cNvPr id="2" name="标题 1"/>
+          <p:cNvSpPr>
+            <a:spLocks noGrp="1"/>
+          </p:cNvSpPr>
+          <p:nvPr>
+            <p:ph type="title"/>
+          </p:nvPr>
+        </p:nvSpPr>
+        <p:spPr/>
+        <p:txBody>
+          <a:bodyPr/>
+          <a:lstStyle/>
+          <a:p>
+            <a:pPr algn="ctr"/>
+            <a:r>
+              <a:rPr lang="zh-CN" altLang="en-US" dirty="0"/>
+              <a:t>旋转坐标系的定义</a:t>
+            </a:r>
+          </a:p>
+        </p:txBody>
+      </p:sp>
+      <p:sp>
+        <p:nvSpPr>
+          <p:cNvPr id="3" name="内容占位符 2"/>
+          <p:cNvSpPr>
+            <a:spLocks noGrp="1"/>
+          </p:cNvSpPr>
+          <p:nvPr>
+            <p:ph idx="1"/>
+          </p:nvPr>
+        </p:nvSpPr>
+        <p:spPr/>
+        <p:txBody>
+          <a:bodyPr/>
+          <a:lstStyle/>
+          <a:p>
+            <a:r>
+              <a:rPr lang="zh-CN" altLang="en-US" dirty="0" smtClean="0"/>
+              <a:t>如果将旋转坐标系的旋转频率改为周围比特全为</a:t>
+            </a:r>
+            <a:r>
+              <a:rPr lang="en-US" altLang="zh-CN" dirty="0" smtClean="0"/>
+              <a:t>0</a:t>
+            </a:r>
+            <a:r>
+              <a:rPr lang="zh-CN" altLang="en-US" dirty="0" smtClean="0"/>
+              <a:t>和全为</a:t>
+            </a:r>
+            <a:r>
+              <a:rPr lang="en-US" altLang="zh-CN" dirty="0" smtClean="0"/>
+              <a:t>1</a:t>
+            </a:r>
+            <a:r>
+              <a:rPr lang="zh-CN" altLang="en-US" dirty="0" smtClean="0"/>
+              <a:t>的平均值，则耦合导致的频率偏移为</a:t>
+            </a:r>
+            <a:r>
+              <a:rPr lang="en-US" altLang="zh-CN" dirty="0" smtClean="0"/>
+              <a:t>ZZ</a:t>
+            </a:r>
+            <a:r>
+              <a:rPr lang="zh-CN" altLang="en-US" dirty="0" smtClean="0"/>
+              <a:t>效应，通过施加</a:t>
+            </a:r>
+            <a:r>
+              <a:rPr lang="en-US" altLang="zh-CN" dirty="0" smtClean="0"/>
+              <a:t>X</a:t>
+            </a:r>
+            <a:r>
+              <a:rPr lang="zh-CN" altLang="en-US" dirty="0" smtClean="0"/>
+              <a:t>波可以有效进行</a:t>
+            </a:r>
+            <a:r>
+              <a:rPr lang="en-US" altLang="zh-CN" dirty="0" smtClean="0"/>
+              <a:t>decoupling</a:t>
+            </a:r>
+            <a:r>
+              <a:rPr lang="zh-CN" altLang="en-US" dirty="0" smtClean="0"/>
+              <a:t>，可以将周围比特导致的频率偏移消掉。</a:t>
+            </a:r>
+            <a:endParaRPr lang="en-US" altLang="zh-CN" dirty="0" smtClean="0"/>
+          </a:p>
+          <a:p>
+            <a:r>
+              <a:rPr lang="zh-CN" altLang="en-US" dirty="0" smtClean="0"/>
+              <a:t>在上面的比特参数中，</a:t>
+            </a:r>
+            <a:r>
+              <a:rPr lang="en-US" altLang="zh-CN" dirty="0"/>
+              <a:t>ZZ</a:t>
+            </a:r>
+            <a:r>
+              <a:rPr lang="zh-CN" altLang="en-US" dirty="0" smtClean="0"/>
+              <a:t>效应导致的偏移（</a:t>
+            </a:r>
+            <a:r>
+              <a:rPr lang="en-US" altLang="zh-CN" dirty="0" smtClean="0"/>
+              <a:t>E11-E01-E10+E00</a:t>
+            </a:r>
+            <a:r>
+              <a:rPr lang="zh-CN" altLang="en-US" dirty="0" smtClean="0"/>
+              <a:t>）分别为：</a:t>
+            </a:r>
+            <a:r>
+              <a:rPr lang="en-US" altLang="zh-CN" dirty="0" smtClean="0"/>
+              <a:t>286K</a:t>
+            </a:r>
+            <a:r>
+              <a:rPr lang="zh-CN" altLang="en-US" dirty="0" smtClean="0"/>
+              <a:t>，</a:t>
+            </a:r>
+            <a:r>
+              <a:rPr lang="en-US" altLang="zh-CN" dirty="0" smtClean="0"/>
+              <a:t>496K</a:t>
+            </a:r>
+            <a:r>
+              <a:rPr lang="zh-CN" altLang="en-US" dirty="0" smtClean="0"/>
+              <a:t>，</a:t>
+            </a:r>
+            <a:r>
+              <a:rPr lang="en-US" altLang="zh-CN" dirty="0" smtClean="0"/>
+              <a:t>435K</a:t>
+            </a:r>
+            <a:r>
+              <a:rPr lang="zh-CN" altLang="en-US" dirty="0" smtClean="0"/>
+              <a:t>，</a:t>
+            </a:r>
+            <a:r>
+              <a:rPr lang="en-US" altLang="zh-CN" dirty="0" smtClean="0"/>
+              <a:t>226K</a:t>
+            </a:r>
+            <a:r>
+              <a:rPr lang="zh-CN" altLang="en-US" dirty="0" smtClean="0"/>
+              <a:t>（中间两个大是因为旁边有两个比特，</a:t>
+            </a:r>
+            <a:r>
+              <a:rPr lang="en-US" altLang="zh-CN" dirty="0"/>
+              <a:t> </a:t>
+            </a:r>
+            <a:r>
+              <a:rPr lang="en-US" altLang="zh-CN" dirty="0" smtClean="0"/>
+              <a:t>E111-E101-E010+E000 </a:t>
+            </a:r>
+            <a:r>
+              <a:rPr lang="zh-CN" altLang="en-US" dirty="0" smtClean="0"/>
+              <a:t>）</a:t>
+            </a:r>
+            <a:endParaRPr lang="zh-CN" altLang="en-US" dirty="0"/>
+          </a:p>
+        </p:txBody>
+      </p:sp>
+    </p:spTree>
+    <p:extLst>
+      <p:ext uri="{BB962C8B-B14F-4D97-AF65-F5344CB8AC3E}">
+        <p14:creationId xmlns:p14="http://schemas.microsoft.com/office/powerpoint/2010/main" val="648337004"/>
       </p:ext>
     </p:extLst>
   </p:cSld>
@@ -13565,6 +13952,2245 @@
 </p:sld>
 </file>
 
+<file path=ppt/slides/slide30.xml><?xml version="1.0" encoding="utf-8"?>
+<p:sld xmlns:a="http://schemas.openxmlformats.org/drawingml/2006/main" xmlns:r="http://schemas.openxmlformats.org/officeDocument/2006/relationships" xmlns:p="http://schemas.openxmlformats.org/presentationml/2006/main">
+  <p:cSld>
+    <p:spTree>
+      <p:nvGrpSpPr>
+        <p:cNvPr id="1" name=""/>
+        <p:cNvGrpSpPr/>
+        <p:nvPr/>
+      </p:nvGrpSpPr>
+      <p:grpSpPr>
+        <a:xfrm>
+          <a:off x="0" y="0"/>
+          <a:ext cx="0" cy="0"/>
+          <a:chOff x="0" y="0"/>
+          <a:chExt cx="0" cy="0"/>
+        </a:xfrm>
+      </p:grpSpPr>
+      <p:sp>
+        <p:nvSpPr>
+          <p:cNvPr id="2" name="标题 1"/>
+          <p:cNvSpPr>
+            <a:spLocks noGrp="1"/>
+          </p:cNvSpPr>
+          <p:nvPr>
+            <p:ph type="title"/>
+          </p:nvPr>
+        </p:nvSpPr>
+        <p:spPr/>
+        <p:txBody>
+          <a:bodyPr/>
+          <a:lstStyle/>
+          <a:p>
+            <a:pPr algn="ctr"/>
+            <a:r>
+              <a:rPr lang="zh-CN" altLang="en-US" dirty="0" smtClean="0"/>
+              <a:t>旋转坐标系的选取</a:t>
+            </a:r>
+            <a:endParaRPr lang="zh-CN" altLang="en-US" dirty="0"/>
+          </a:p>
+        </p:txBody>
+      </p:sp>
+      <p:sp>
+        <p:nvSpPr>
+          <p:cNvPr id="3" name="内容占位符 2"/>
+          <p:cNvSpPr>
+            <a:spLocks noGrp="1"/>
+          </p:cNvSpPr>
+          <p:nvPr>
+            <p:ph idx="1"/>
+          </p:nvPr>
+        </p:nvSpPr>
+        <p:spPr/>
+        <p:txBody>
+          <a:bodyPr/>
+          <a:lstStyle/>
+          <a:p>
+            <a:r>
+              <a:rPr lang="zh-CN" altLang="en-US" dirty="0" smtClean="0"/>
+              <a:t>横坐标为</a:t>
+            </a:r>
+            <a:r>
+              <a:rPr lang="en-US" altLang="zh-CN" dirty="0" smtClean="0"/>
+              <a:t>4</a:t>
+            </a:r>
+            <a:r>
+              <a:rPr lang="zh-CN" altLang="en-US" dirty="0" smtClean="0"/>
+              <a:t>个</a:t>
+            </a:r>
+            <a:r>
+              <a:rPr lang="en-US" altLang="zh-CN" dirty="0" err="1" smtClean="0"/>
+              <a:t>qubit</a:t>
+            </a:r>
+            <a:r>
+              <a:rPr lang="zh-CN" altLang="en-US" dirty="0" smtClean="0"/>
+              <a:t>状态</a:t>
+            </a:r>
+            <a:r>
+              <a:rPr lang="en-US" altLang="zh-CN" dirty="0" smtClean="0"/>
+              <a:t>0000,0001—1111</a:t>
+            </a:r>
+            <a:r>
+              <a:rPr lang="zh-CN" altLang="en-US" dirty="0" smtClean="0"/>
+              <a:t>，横坐标为额外积累的相位，即上面</a:t>
+            </a:r>
+            <a:r>
+              <a:rPr lang="en-US" altLang="zh-CN" dirty="0" smtClean="0"/>
+              <a:t>E</a:t>
+            </a:r>
+            <a:r>
+              <a:rPr lang="zh-CN" altLang="en-US" dirty="0" smtClean="0"/>
+              <a:t>矩阵中对角线上元的角度</a:t>
+            </a:r>
+            <a:endParaRPr lang="en-US" altLang="zh-CN" dirty="0" smtClean="0"/>
+          </a:p>
+          <a:p>
+            <a:r>
+              <a:rPr lang="zh-CN" altLang="en-US" dirty="0" smtClean="0"/>
+              <a:t>可以看到采用平均参考系，可以有效减少额外相位积累，而采用</a:t>
+            </a:r>
+            <a:r>
+              <a:rPr lang="en-US" altLang="zh-CN" dirty="0" smtClean="0"/>
+              <a:t>0</a:t>
+            </a:r>
+            <a:r>
+              <a:rPr lang="zh-CN" altLang="en-US" dirty="0" smtClean="0"/>
+              <a:t>态参考系，需要在施加门前，先对各个比特进行相位补偿</a:t>
+            </a:r>
+            <a:endParaRPr lang="zh-CN" altLang="en-US" dirty="0"/>
+          </a:p>
+        </p:txBody>
+      </p:sp>
+      <p:pic>
+        <p:nvPicPr>
+          <p:cNvPr id="4098" name="Picture 2" descr="F:\laboratory\Sync\程序\programme\two qubit gate\CZgate\IBM\result\4qubit\RF_0_angle.png"/>
+          <p:cNvPicPr>
+            <a:picLocks noChangeAspect="1" noChangeArrowheads="1"/>
+          </p:cNvPicPr>
+          <p:nvPr/>
+        </p:nvPicPr>
+        <p:blipFill>
+          <a:blip r:embed="rId2">
+            <a:extLst>
+              <a:ext uri="{28A0092B-C50C-407E-A947-70E740481C1C}">
+                <a14:useLocalDpi xmlns:a14="http://schemas.microsoft.com/office/drawing/2010/main" val="0"/>
+              </a:ext>
+            </a:extLst>
+          </a:blip>
+          <a:srcRect/>
+          <a:stretch>
+            <a:fillRect/>
+          </a:stretch>
+        </p:blipFill>
+        <p:spPr bwMode="auto">
+          <a:xfrm>
+            <a:off x="1868743" y="3347355"/>
+            <a:ext cx="3517074" cy="2638282"/>
+          </a:xfrm>
+          <a:prstGeom prst="rect">
+            <a:avLst/>
+          </a:prstGeom>
+          <a:noFill/>
+          <a:extLst>
+            <a:ext uri="{909E8E84-426E-40DD-AFC4-6F175D3DCCD1}">
+              <a14:hiddenFill xmlns:a14="http://schemas.microsoft.com/office/drawing/2010/main">
+                <a:solidFill>
+                  <a:srgbClr val="FFFFFF"/>
+                </a:solidFill>
+              </a14:hiddenFill>
+            </a:ext>
+          </a:extLst>
+        </p:spPr>
+      </p:pic>
+      <p:pic>
+        <p:nvPicPr>
+          <p:cNvPr id="4099" name="Picture 3" descr="F:\laboratory\Sync\程序\programme\two qubit gate\CZgate\IBM\result\4qubit\RF_ave_angle.png"/>
+          <p:cNvPicPr>
+            <a:picLocks noChangeAspect="1" noChangeArrowheads="1"/>
+          </p:cNvPicPr>
+          <p:nvPr/>
+        </p:nvPicPr>
+        <p:blipFill>
+          <a:blip r:embed="rId3">
+            <a:extLst>
+              <a:ext uri="{28A0092B-C50C-407E-A947-70E740481C1C}">
+                <a14:useLocalDpi xmlns:a14="http://schemas.microsoft.com/office/drawing/2010/main" val="0"/>
+              </a:ext>
+            </a:extLst>
+          </a:blip>
+          <a:srcRect/>
+          <a:stretch>
+            <a:fillRect/>
+          </a:stretch>
+        </p:blipFill>
+        <p:spPr bwMode="auto">
+          <a:xfrm>
+            <a:off x="6587047" y="3347355"/>
+            <a:ext cx="3517074" cy="2638282"/>
+          </a:xfrm>
+          <a:prstGeom prst="rect">
+            <a:avLst/>
+          </a:prstGeom>
+          <a:noFill/>
+          <a:extLst>
+            <a:ext uri="{909E8E84-426E-40DD-AFC4-6F175D3DCCD1}">
+              <a14:hiddenFill xmlns:a14="http://schemas.microsoft.com/office/drawing/2010/main">
+                <a:solidFill>
+                  <a:srgbClr val="FFFFFF"/>
+                </a:solidFill>
+              </a14:hiddenFill>
+            </a:ext>
+          </a:extLst>
+        </p:spPr>
+      </p:pic>
+    </p:spTree>
+    <p:extLst>
+      <p:ext uri="{BB962C8B-B14F-4D97-AF65-F5344CB8AC3E}">
+        <p14:creationId xmlns:p14="http://schemas.microsoft.com/office/powerpoint/2010/main" val="2862501483"/>
+      </p:ext>
+    </p:extLst>
+  </p:cSld>
+  <p:clrMapOvr>
+    <a:masterClrMapping/>
+  </p:clrMapOvr>
+</p:sld>
+</file>
+
+<file path=ppt/slides/slide31.xml><?xml version="1.0" encoding="utf-8"?>
+<p:sld xmlns:a="http://schemas.openxmlformats.org/drawingml/2006/main" xmlns:r="http://schemas.openxmlformats.org/officeDocument/2006/relationships" xmlns:p="http://schemas.openxmlformats.org/presentationml/2006/main">
+  <p:cSld>
+    <p:spTree>
+      <p:nvGrpSpPr>
+        <p:cNvPr id="1" name=""/>
+        <p:cNvGrpSpPr/>
+        <p:nvPr/>
+      </p:nvGrpSpPr>
+      <p:grpSpPr>
+        <a:xfrm>
+          <a:off x="0" y="0"/>
+          <a:ext cx="0" cy="0"/>
+          <a:chOff x="0" y="0"/>
+          <a:chExt cx="0" cy="0"/>
+        </a:xfrm>
+      </p:grpSpPr>
+      <p:sp>
+        <p:nvSpPr>
+          <p:cNvPr id="2" name="标题 1"/>
+          <p:cNvSpPr>
+            <a:spLocks noGrp="1"/>
+          </p:cNvSpPr>
+          <p:nvPr>
+            <p:ph type="title"/>
+          </p:nvPr>
+        </p:nvSpPr>
+        <p:spPr/>
+        <p:txBody>
+          <a:bodyPr/>
+          <a:lstStyle/>
+          <a:p>
+            <a:pPr algn="ctr"/>
+            <a:r>
+              <a:rPr lang="zh-CN" altLang="en-US" dirty="0" smtClean="0"/>
+              <a:t>驱动强度选择</a:t>
+            </a:r>
+            <a:endParaRPr lang="zh-CN" altLang="en-US" dirty="0"/>
+          </a:p>
+        </p:txBody>
+      </p:sp>
+      <p:sp>
+        <p:nvSpPr>
+          <p:cNvPr id="3" name="内容占位符 2"/>
+          <p:cNvSpPr>
+            <a:spLocks noGrp="1"/>
+          </p:cNvSpPr>
+          <p:nvPr>
+            <p:ph idx="1"/>
+          </p:nvPr>
+        </p:nvSpPr>
+        <p:spPr/>
+        <p:txBody>
+          <a:bodyPr/>
+          <a:lstStyle/>
+          <a:p>
+            <a:r>
+              <a:rPr lang="zh-CN" altLang="en-US" dirty="0" smtClean="0"/>
+              <a:t>也是因为耦合导致了</a:t>
+            </a:r>
+            <a:r>
+              <a:rPr lang="en-US" altLang="zh-CN" dirty="0" err="1" smtClean="0"/>
+              <a:t>qubit</a:t>
+            </a:r>
+            <a:r>
+              <a:rPr lang="zh-CN" altLang="en-US" dirty="0" smtClean="0"/>
+              <a:t>频率变化，如果选择周围比特为</a:t>
+            </a:r>
+            <a:r>
+              <a:rPr lang="en-US" altLang="zh-CN" dirty="0" smtClean="0"/>
+              <a:t>0</a:t>
+            </a:r>
+            <a:r>
+              <a:rPr lang="zh-CN" altLang="en-US" dirty="0" smtClean="0"/>
+              <a:t>的频率进行驱动，就会导致周围比特为</a:t>
+            </a:r>
+            <a:r>
+              <a:rPr lang="en-US" altLang="zh-CN" dirty="0" smtClean="0"/>
+              <a:t>1</a:t>
+            </a:r>
+            <a:r>
+              <a:rPr lang="zh-CN" altLang="en-US" dirty="0" smtClean="0"/>
+              <a:t>时，</a:t>
+            </a:r>
+            <a:r>
+              <a:rPr lang="en-US" altLang="zh-CN" dirty="0" smtClean="0"/>
+              <a:t>X</a:t>
+            </a:r>
+            <a:r>
+              <a:rPr lang="zh-CN" altLang="en-US" dirty="0" smtClean="0"/>
+              <a:t>门的保真度不高；</a:t>
+            </a:r>
+            <a:endParaRPr lang="en-US" altLang="zh-CN" dirty="0" smtClean="0"/>
+          </a:p>
+          <a:p>
+            <a:r>
+              <a:rPr lang="zh-CN" altLang="en-US" dirty="0" smtClean="0"/>
+              <a:t>所以我们选择了周围比特为</a:t>
+            </a:r>
+            <a:r>
+              <a:rPr lang="en-US" altLang="zh-CN" dirty="0" smtClean="0"/>
+              <a:t>0</a:t>
+            </a:r>
+            <a:r>
+              <a:rPr lang="zh-CN" altLang="en-US" dirty="0" smtClean="0"/>
+              <a:t>和</a:t>
+            </a:r>
+            <a:r>
+              <a:rPr lang="en-US" altLang="zh-CN" dirty="0" smtClean="0"/>
+              <a:t>1</a:t>
+            </a:r>
+            <a:r>
+              <a:rPr lang="zh-CN" altLang="en-US" dirty="0" smtClean="0"/>
+              <a:t>态时，共振频率的平均值，这样保证无论周围比特状态，</a:t>
+            </a:r>
+            <a:r>
+              <a:rPr lang="en-US" altLang="zh-CN" dirty="0" smtClean="0"/>
+              <a:t>X</a:t>
+            </a:r>
+            <a:r>
+              <a:rPr lang="zh-CN" altLang="en-US" dirty="0" smtClean="0"/>
+              <a:t>门都相对较好。</a:t>
+            </a:r>
+            <a:endParaRPr lang="zh-CN" altLang="en-US" dirty="0"/>
+          </a:p>
+        </p:txBody>
+      </p:sp>
+    </p:spTree>
+    <p:extLst>
+      <p:ext uri="{BB962C8B-B14F-4D97-AF65-F5344CB8AC3E}">
+        <p14:creationId xmlns:p14="http://schemas.microsoft.com/office/powerpoint/2010/main" val="1611535909"/>
+      </p:ext>
+    </p:extLst>
+  </p:cSld>
+  <p:clrMapOvr>
+    <a:masterClrMapping/>
+  </p:clrMapOvr>
+</p:sld>
+</file>
+
+<file path=ppt/slides/slide32.xml><?xml version="1.0" encoding="utf-8"?>
+<p:sld xmlns:a="http://schemas.openxmlformats.org/drawingml/2006/main" xmlns:r="http://schemas.openxmlformats.org/officeDocument/2006/relationships" xmlns:p="http://schemas.openxmlformats.org/presentationml/2006/main">
+  <p:cSld>
+    <p:spTree>
+      <p:nvGrpSpPr>
+        <p:cNvPr id="1" name=""/>
+        <p:cNvGrpSpPr/>
+        <p:nvPr/>
+      </p:nvGrpSpPr>
+      <p:grpSpPr>
+        <a:xfrm>
+          <a:off x="0" y="0"/>
+          <a:ext cx="0" cy="0"/>
+          <a:chOff x="0" y="0"/>
+          <a:chExt cx="0" cy="0"/>
+        </a:xfrm>
+      </p:grpSpPr>
+      <p:sp>
+        <p:nvSpPr>
+          <p:cNvPr id="2" name="标题 1"/>
+          <p:cNvSpPr>
+            <a:spLocks noGrp="1"/>
+          </p:cNvSpPr>
+          <p:nvPr>
+            <p:ph type="title"/>
+          </p:nvPr>
+        </p:nvSpPr>
+        <p:spPr/>
+        <p:txBody>
+          <a:bodyPr/>
+          <a:lstStyle/>
+          <a:p>
+            <a:pPr algn="ctr"/>
+            <a:r>
+              <a:rPr lang="en-US" altLang="zh-CN" dirty="0" smtClean="0"/>
+              <a:t>4</a:t>
+            </a:r>
+            <a:r>
+              <a:rPr lang="zh-CN" altLang="en-US" dirty="0" smtClean="0"/>
+              <a:t>比特仿真</a:t>
+            </a:r>
+            <a:endParaRPr lang="zh-CN" altLang="en-US" dirty="0"/>
+          </a:p>
+        </p:txBody>
+      </p:sp>
+      <p:sp>
+        <p:nvSpPr>
+          <p:cNvPr id="3" name="内容占位符 2"/>
+          <p:cNvSpPr>
+            <a:spLocks noGrp="1"/>
+          </p:cNvSpPr>
+          <p:nvPr>
+            <p:ph idx="1"/>
+          </p:nvPr>
+        </p:nvSpPr>
+        <p:spPr/>
+        <p:txBody>
+          <a:bodyPr/>
+          <a:lstStyle/>
+          <a:p>
+            <a:r>
+              <a:rPr lang="en-US" altLang="zh-CN" sz="2400" dirty="0" smtClean="0"/>
+              <a:t>0~1~2~3</a:t>
+            </a:r>
+            <a:r>
+              <a:rPr lang="zh-CN" altLang="en-US" sz="2400" dirty="0" smtClean="0"/>
+              <a:t>四个比特，比特</a:t>
+            </a:r>
+            <a:r>
+              <a:rPr lang="en-US" altLang="zh-CN" sz="2400" dirty="0" smtClean="0"/>
+              <a:t>1</a:t>
+            </a:r>
+            <a:r>
+              <a:rPr lang="zh-CN" altLang="en-US" sz="2400" dirty="0" smtClean="0"/>
+              <a:t>作为</a:t>
+            </a:r>
+            <a:r>
+              <a:rPr lang="en-US" altLang="zh-CN" sz="2400" dirty="0" smtClean="0"/>
+              <a:t>control </a:t>
+            </a:r>
+            <a:r>
+              <a:rPr lang="en-US" altLang="zh-CN" sz="2400" dirty="0" err="1" smtClean="0"/>
+              <a:t>qubit</a:t>
+            </a:r>
+            <a:r>
+              <a:rPr lang="zh-CN" altLang="en-US" sz="2400" dirty="0" smtClean="0"/>
+              <a:t>，比特</a:t>
+            </a:r>
+            <a:r>
+              <a:rPr lang="en-US" altLang="zh-CN" sz="2400" dirty="0" smtClean="0"/>
+              <a:t>2</a:t>
+            </a:r>
+            <a:r>
+              <a:rPr lang="zh-CN" altLang="en-US" sz="2400" dirty="0" smtClean="0"/>
+              <a:t>最为</a:t>
+            </a:r>
+            <a:r>
+              <a:rPr lang="en-US" altLang="zh-CN" sz="2400" dirty="0" smtClean="0"/>
+              <a:t>target </a:t>
+            </a:r>
+            <a:r>
+              <a:rPr lang="en-US" altLang="zh-CN" sz="2400" dirty="0" err="1" smtClean="0"/>
+              <a:t>qubit</a:t>
+            </a:r>
+            <a:endParaRPr lang="en-US" altLang="zh-CN" sz="2400" dirty="0" smtClean="0"/>
+          </a:p>
+          <a:p>
+            <a:r>
+              <a:rPr lang="zh-CN" altLang="en-US" sz="2400" dirty="0" smtClean="0"/>
+              <a:t>先只考虑</a:t>
+            </a:r>
+            <a:r>
+              <a:rPr lang="en-US" altLang="zh-CN" sz="2400" dirty="0" smtClean="0"/>
+              <a:t>1~2</a:t>
+            </a:r>
+            <a:r>
+              <a:rPr lang="zh-CN" altLang="en-US" sz="2400" dirty="0" smtClean="0"/>
+              <a:t>间的</a:t>
+            </a:r>
+            <a:r>
+              <a:rPr lang="en-US" altLang="zh-CN" sz="2400" dirty="0" smtClean="0"/>
+              <a:t>CR</a:t>
+            </a:r>
+            <a:r>
+              <a:rPr lang="zh-CN" altLang="en-US" sz="2400" dirty="0" smtClean="0"/>
+              <a:t>门：</a:t>
+            </a:r>
+            <a:r>
+              <a:rPr lang="en-US" altLang="zh-CN" sz="2400" dirty="0" err="1" smtClean="0"/>
+              <a:t>tp</a:t>
+            </a:r>
+            <a:r>
+              <a:rPr lang="en-US" altLang="zh-CN" sz="2400" dirty="0" smtClean="0"/>
+              <a:t>=83.3ns</a:t>
+            </a:r>
+            <a:r>
+              <a:rPr lang="zh-CN" altLang="en-US" sz="2400" dirty="0" smtClean="0"/>
+              <a:t>，</a:t>
+            </a:r>
+            <a:r>
+              <a:rPr lang="en-US" altLang="zh-CN" sz="2400" dirty="0" smtClean="0"/>
+              <a:t>A = 28.16M</a:t>
+            </a:r>
+          </a:p>
+          <a:p>
+            <a:pPr marL="0" indent="0">
+              <a:buNone/>
+            </a:pPr>
+            <a:r>
+              <a:rPr lang="zh-CN" altLang="en-US" sz="2400" dirty="0" smtClean="0"/>
+              <a:t>（对每个比特的相位补偿都很小，都取为</a:t>
+            </a:r>
+            <a:r>
+              <a:rPr lang="en-US" altLang="zh-CN" sz="2400" dirty="0" smtClean="0"/>
+              <a:t>0</a:t>
+            </a:r>
+            <a:r>
+              <a:rPr lang="zh-CN" altLang="en-US" sz="2400" dirty="0" smtClean="0"/>
+              <a:t>）</a:t>
+            </a:r>
+            <a:endParaRPr lang="zh-CN" altLang="en-US" sz="2400" dirty="0"/>
+          </a:p>
+        </p:txBody>
+      </p:sp>
+      <p:graphicFrame>
+        <p:nvGraphicFramePr>
+          <p:cNvPr id="4" name="表格 3"/>
+          <p:cNvGraphicFramePr>
+            <a:graphicFrameLocks noGrp="1"/>
+          </p:cNvGraphicFramePr>
+          <p:nvPr>
+            <p:extLst>
+              <p:ext uri="{D42A27DB-BD31-4B8C-83A1-F6EECF244321}">
+                <p14:modId xmlns:p14="http://schemas.microsoft.com/office/powerpoint/2010/main" val="235089669"/>
+              </p:ext>
+            </p:extLst>
+          </p:nvPr>
+        </p:nvGraphicFramePr>
+        <p:xfrm>
+          <a:off x="1730248" y="2868506"/>
+          <a:ext cx="8128000" cy="1854200"/>
+        </p:xfrm>
+        <a:graphic>
+          <a:graphicData uri="http://schemas.openxmlformats.org/drawingml/2006/table">
+            <a:tbl>
+              <a:tblPr firstRow="1" bandRow="1">
+                <a:tableStyleId>{5C22544A-7EE6-4342-B048-85BDC9FD1C3A}</a:tableStyleId>
+              </a:tblPr>
+              <a:tblGrid>
+                <a:gridCol w="2032000"/>
+                <a:gridCol w="2032000"/>
+                <a:gridCol w="2032000"/>
+                <a:gridCol w="2032000"/>
+              </a:tblGrid>
+              <a:tr h="370840">
+                <a:tc>
+                  <a:txBody>
+                    <a:bodyPr/>
+                    <a:lstStyle/>
+                    <a:p>
+                      <a:r>
+                        <a:rPr lang="zh-CN" altLang="en-US" dirty="0" smtClean="0"/>
+                        <a:t>类型</a:t>
+                      </a:r>
+                      <a:endParaRPr lang="zh-CN" altLang="en-US" dirty="0"/>
+                    </a:p>
+                  </a:txBody>
+                  <a:tcPr/>
+                </a:tc>
+                <a:tc>
+                  <a:txBody>
+                    <a:bodyPr/>
+                    <a:lstStyle/>
+                    <a:p>
+                      <a:r>
+                        <a:rPr lang="en-US" altLang="zh-CN" dirty="0" smtClean="0"/>
+                        <a:t>Leakage</a:t>
+                      </a:r>
+                      <a:endParaRPr lang="zh-CN" altLang="en-US" dirty="0"/>
+                    </a:p>
+                  </a:txBody>
+                  <a:tcPr/>
+                </a:tc>
+                <a:tc>
+                  <a:txBody>
+                    <a:bodyPr/>
+                    <a:lstStyle/>
+                    <a:p>
+                      <a:r>
+                        <a:rPr lang="en-US" altLang="zh-CN" dirty="0" err="1" smtClean="0"/>
+                        <a:t>Sfidelity</a:t>
+                      </a:r>
+                      <a:endParaRPr lang="zh-CN" altLang="en-US" dirty="0"/>
+                    </a:p>
+                  </a:txBody>
+                  <a:tcPr/>
+                </a:tc>
+                <a:tc>
+                  <a:txBody>
+                    <a:bodyPr/>
+                    <a:lstStyle/>
+                    <a:p>
+                      <a:r>
+                        <a:rPr lang="en-US" altLang="zh-CN" dirty="0" err="1" smtClean="0"/>
+                        <a:t>Ufidelity</a:t>
+                      </a:r>
+                      <a:endParaRPr lang="zh-CN" altLang="en-US" dirty="0"/>
+                    </a:p>
+                  </a:txBody>
+                  <a:tcPr/>
+                </a:tc>
+              </a:tr>
+              <a:tr h="370840">
+                <a:tc>
+                  <a:txBody>
+                    <a:bodyPr/>
+                    <a:lstStyle/>
+                    <a:p>
+                      <a:r>
+                        <a:rPr lang="en-US" altLang="zh-CN" dirty="0" smtClean="0"/>
+                        <a:t>2</a:t>
+                      </a:r>
+                      <a:r>
+                        <a:rPr lang="zh-CN" altLang="en-US" dirty="0" smtClean="0"/>
+                        <a:t>比特</a:t>
+                      </a:r>
+                      <a:endParaRPr lang="zh-CN" altLang="en-US" dirty="0"/>
+                    </a:p>
+                  </a:txBody>
+                  <a:tcPr/>
+                </a:tc>
+                <a:tc>
+                  <a:txBody>
+                    <a:bodyPr/>
+                    <a:lstStyle/>
+                    <a:p>
+                      <a:r>
+                        <a:rPr lang="en-US" altLang="zh-CN" dirty="0" smtClean="0"/>
+                        <a:t>4.93e-4</a:t>
+                      </a:r>
+                      <a:endParaRPr lang="zh-CN" altLang="en-US" dirty="0"/>
+                    </a:p>
+                  </a:txBody>
+                  <a:tcPr/>
+                </a:tc>
+                <a:tc>
+                  <a:txBody>
+                    <a:bodyPr/>
+                    <a:lstStyle/>
+                    <a:p>
+                      <a:r>
+                        <a:rPr lang="en-US" altLang="zh-CN" dirty="0" smtClean="0"/>
+                        <a:t>0.9989</a:t>
+                      </a:r>
+                      <a:endParaRPr lang="zh-CN" altLang="en-US" dirty="0"/>
+                    </a:p>
+                  </a:txBody>
+                  <a:tcPr/>
+                </a:tc>
+                <a:tc>
+                  <a:txBody>
+                    <a:bodyPr/>
+                    <a:lstStyle/>
+                    <a:p>
+                      <a:r>
+                        <a:rPr lang="en-US" altLang="zh-CN" dirty="0" smtClean="0"/>
+                        <a:t>0.9986</a:t>
+                      </a:r>
+                      <a:endParaRPr lang="zh-CN" altLang="en-US" dirty="0"/>
+                    </a:p>
+                  </a:txBody>
+                  <a:tcPr/>
+                </a:tc>
+              </a:tr>
+              <a:tr h="370840">
+                <a:tc>
+                  <a:txBody>
+                    <a:bodyPr/>
+                    <a:lstStyle/>
+                    <a:p>
+                      <a:r>
+                        <a:rPr lang="en-US" altLang="zh-CN" dirty="0" smtClean="0"/>
+                        <a:t>4</a:t>
+                      </a:r>
+                      <a:r>
+                        <a:rPr lang="zh-CN" altLang="en-US" dirty="0" smtClean="0"/>
+                        <a:t>比特</a:t>
+                      </a:r>
+                      <a:endParaRPr lang="en-US" altLang="zh-CN" dirty="0" smtClean="0"/>
+                    </a:p>
+                  </a:txBody>
+                  <a:tcPr/>
+                </a:tc>
+                <a:tc>
+                  <a:txBody>
+                    <a:bodyPr/>
+                    <a:lstStyle/>
+                    <a:p>
+                      <a:r>
+                        <a:rPr lang="en-US" altLang="zh-CN" dirty="0" smtClean="0"/>
+                        <a:t>6.58e-5</a:t>
+                      </a:r>
+                      <a:endParaRPr lang="zh-CN" altLang="en-US" dirty="0"/>
+                    </a:p>
+                  </a:txBody>
+                  <a:tcPr/>
+                </a:tc>
+                <a:tc>
+                  <a:txBody>
+                    <a:bodyPr/>
+                    <a:lstStyle/>
+                    <a:p>
+                      <a:r>
+                        <a:rPr lang="en-US" altLang="zh-CN" dirty="0" smtClean="0"/>
+                        <a:t>0.9954</a:t>
+                      </a:r>
+                      <a:endParaRPr lang="zh-CN" altLang="en-US" dirty="0"/>
+                    </a:p>
+                  </a:txBody>
+                  <a:tcPr/>
+                </a:tc>
+                <a:tc>
+                  <a:txBody>
+                    <a:bodyPr/>
+                    <a:lstStyle/>
+                    <a:p>
+                      <a:r>
+                        <a:rPr lang="en-US" altLang="zh-CN" dirty="0" smtClean="0"/>
+                        <a:t>0.9950</a:t>
+                      </a:r>
+                      <a:endParaRPr lang="zh-CN" altLang="en-US" dirty="0"/>
+                    </a:p>
+                  </a:txBody>
+                  <a:tcPr/>
+                </a:tc>
+              </a:tr>
+              <a:tr h="370840">
+                <a:tc>
+                  <a:txBody>
+                    <a:bodyPr/>
+                    <a:lstStyle/>
+                    <a:p>
+                      <a:r>
+                        <a:rPr lang="en-US" altLang="zh-CN" dirty="0" smtClean="0"/>
+                        <a:t>4</a:t>
+                      </a:r>
+                      <a:r>
+                        <a:rPr lang="zh-CN" altLang="en-US" dirty="0" smtClean="0"/>
+                        <a:t>比特（无</a:t>
+                      </a:r>
+                      <a:r>
+                        <a:rPr lang="en-US" altLang="zh-CN" dirty="0" smtClean="0"/>
+                        <a:t>X</a:t>
+                      </a:r>
+                      <a:r>
+                        <a:rPr lang="zh-CN" altLang="en-US" dirty="0" smtClean="0"/>
+                        <a:t>门）</a:t>
+                      </a:r>
+                      <a:endParaRPr lang="zh-CN" altLang="en-US" dirty="0"/>
+                    </a:p>
+                  </a:txBody>
+                  <a:tcPr/>
+                </a:tc>
+                <a:tc>
+                  <a:txBody>
+                    <a:bodyPr/>
+                    <a:lstStyle/>
+                    <a:p>
+                      <a:r>
+                        <a:rPr lang="en-US" altLang="zh-CN" dirty="0" smtClean="0"/>
+                        <a:t>6.70e-5</a:t>
+                      </a:r>
+                      <a:endParaRPr lang="zh-CN" altLang="en-US" dirty="0"/>
+                    </a:p>
+                  </a:txBody>
+                  <a:tcPr/>
+                </a:tc>
+                <a:tc>
+                  <a:txBody>
+                    <a:bodyPr/>
+                    <a:lstStyle/>
+                    <a:p>
+                      <a:r>
+                        <a:rPr lang="en-US" altLang="zh-CN" dirty="0" smtClean="0"/>
+                        <a:t>0.9939</a:t>
+                      </a:r>
+                      <a:endParaRPr lang="zh-CN" altLang="en-US" dirty="0"/>
+                    </a:p>
+                  </a:txBody>
+                  <a:tcPr/>
+                </a:tc>
+                <a:tc>
+                  <a:txBody>
+                    <a:bodyPr/>
+                    <a:lstStyle/>
+                    <a:p>
+                      <a:r>
+                        <a:rPr lang="en-US" altLang="zh-CN" dirty="0" smtClean="0"/>
+                        <a:t>0.9921</a:t>
+                      </a:r>
+                      <a:endParaRPr lang="zh-CN" altLang="en-US" dirty="0"/>
+                    </a:p>
+                  </a:txBody>
+                  <a:tcPr/>
+                </a:tc>
+              </a:tr>
+              <a:tr h="370840">
+                <a:tc>
+                  <a:txBody>
+                    <a:bodyPr/>
+                    <a:lstStyle/>
+                    <a:p>
+                      <a:r>
+                        <a:rPr lang="en-US" altLang="zh-CN" dirty="0" smtClean="0"/>
+                        <a:t>4</a:t>
+                      </a:r>
+                      <a:r>
+                        <a:rPr lang="zh-CN" altLang="en-US" dirty="0" smtClean="0"/>
+                        <a:t>比特</a:t>
+                      </a:r>
+                      <a:r>
+                        <a:rPr lang="zh-CN" altLang="en-US" sz="1600" dirty="0" smtClean="0"/>
+                        <a:t>（</a:t>
+                      </a:r>
+                      <a:r>
+                        <a:rPr lang="en-US" altLang="zh-CN" sz="1600" dirty="0" smtClean="0"/>
+                        <a:t>0</a:t>
+                      </a:r>
+                      <a:r>
+                        <a:rPr lang="zh-CN" altLang="en-US" sz="1600" dirty="0" smtClean="0"/>
+                        <a:t>态坐标系）</a:t>
+                      </a:r>
+                      <a:endParaRPr lang="zh-CN" altLang="en-US" sz="1600" dirty="0"/>
+                    </a:p>
+                  </a:txBody>
+                  <a:tcPr/>
+                </a:tc>
+                <a:tc>
+                  <a:txBody>
+                    <a:bodyPr/>
+                    <a:lstStyle/>
+                    <a:p>
+                      <a:r>
+                        <a:rPr lang="en-US" altLang="zh-CN" dirty="0" smtClean="0"/>
+                        <a:t>6.58e-5</a:t>
+                      </a:r>
+                      <a:endParaRPr lang="zh-CN" altLang="en-US" dirty="0"/>
+                    </a:p>
+                  </a:txBody>
+                  <a:tcPr/>
+                </a:tc>
+                <a:tc>
+                  <a:txBody>
+                    <a:bodyPr/>
+                    <a:lstStyle/>
+                    <a:p>
+                      <a:r>
+                        <a:rPr lang="en-US" altLang="zh-CN" dirty="0" smtClean="0"/>
+                        <a:t>0.9775</a:t>
+                      </a:r>
+                      <a:endParaRPr lang="zh-CN" altLang="en-US" dirty="0"/>
+                    </a:p>
+                  </a:txBody>
+                  <a:tcPr/>
+                </a:tc>
+                <a:tc>
+                  <a:txBody>
+                    <a:bodyPr/>
+                    <a:lstStyle/>
+                    <a:p>
+                      <a:r>
+                        <a:rPr lang="en-US" altLang="zh-CN" dirty="0" smtClean="0"/>
+                        <a:t>0.9428</a:t>
+                      </a:r>
+                      <a:endParaRPr lang="zh-CN" altLang="en-US" dirty="0"/>
+                    </a:p>
+                  </a:txBody>
+                  <a:tcPr/>
+                </a:tc>
+              </a:tr>
+            </a:tbl>
+          </a:graphicData>
+        </a:graphic>
+      </p:graphicFrame>
+    </p:spTree>
+    <p:extLst>
+      <p:ext uri="{BB962C8B-B14F-4D97-AF65-F5344CB8AC3E}">
+        <p14:creationId xmlns:p14="http://schemas.microsoft.com/office/powerpoint/2010/main" val="3754319204"/>
+      </p:ext>
+    </p:extLst>
+  </p:cSld>
+  <p:clrMapOvr>
+    <a:masterClrMapping/>
+  </p:clrMapOvr>
+</p:sld>
+</file>
+
+<file path=ppt/slides/slide33.xml><?xml version="1.0" encoding="utf-8"?>
+<p:sld xmlns:a="http://schemas.openxmlformats.org/drawingml/2006/main" xmlns:r="http://schemas.openxmlformats.org/officeDocument/2006/relationships" xmlns:p="http://schemas.openxmlformats.org/presentationml/2006/main">
+  <p:cSld>
+    <p:spTree>
+      <p:nvGrpSpPr>
+        <p:cNvPr id="1" name=""/>
+        <p:cNvGrpSpPr/>
+        <p:nvPr/>
+      </p:nvGrpSpPr>
+      <p:grpSpPr>
+        <a:xfrm>
+          <a:off x="0" y="0"/>
+          <a:ext cx="0" cy="0"/>
+          <a:chOff x="0" y="0"/>
+          <a:chExt cx="0" cy="0"/>
+        </a:xfrm>
+      </p:grpSpPr>
+      <p:sp>
+        <p:nvSpPr>
+          <p:cNvPr id="2" name="标题 1"/>
+          <p:cNvSpPr>
+            <a:spLocks noGrp="1"/>
+          </p:cNvSpPr>
+          <p:nvPr>
+            <p:ph type="title"/>
+          </p:nvPr>
+        </p:nvSpPr>
+        <p:spPr/>
+        <p:txBody>
+          <a:bodyPr/>
+          <a:lstStyle/>
+          <a:p>
+            <a:pPr algn="ctr"/>
+            <a:r>
+              <a:rPr lang="en-US" altLang="zh-CN" dirty="0" err="1" smtClean="0">
+                <a:latin typeface="+mj-ea"/>
+              </a:rPr>
+              <a:t>Qubit</a:t>
+            </a:r>
+            <a:r>
+              <a:rPr lang="zh-CN" altLang="en-US" dirty="0" smtClean="0">
+                <a:latin typeface="+mj-ea"/>
+              </a:rPr>
+              <a:t>频率选取</a:t>
+            </a:r>
+            <a:endParaRPr lang="zh-CN" altLang="en-US" dirty="0">
+              <a:latin typeface="+mj-ea"/>
+            </a:endParaRPr>
+          </a:p>
+        </p:txBody>
+      </p:sp>
+      <p:sp>
+        <p:nvSpPr>
+          <p:cNvPr id="3" name="内容占位符 2"/>
+          <p:cNvSpPr>
+            <a:spLocks noGrp="1"/>
+          </p:cNvSpPr>
+          <p:nvPr>
+            <p:ph idx="1"/>
+          </p:nvPr>
+        </p:nvSpPr>
+        <p:spPr/>
+        <p:txBody>
+          <a:bodyPr/>
+          <a:lstStyle/>
+          <a:p>
+            <a:r>
+              <a:rPr lang="en-US" altLang="zh-CN" dirty="0" smtClean="0"/>
+              <a:t>IBM16</a:t>
+            </a:r>
+            <a:r>
+              <a:rPr lang="zh-CN" altLang="en-US" dirty="0" smtClean="0"/>
+              <a:t>比特能级上下两层排列如下图：</a:t>
+            </a:r>
+            <a:endParaRPr lang="en-US" altLang="zh-CN" dirty="0" smtClean="0"/>
+          </a:p>
+          <a:p>
+            <a:endParaRPr lang="zh-CN" altLang="en-US" dirty="0"/>
+          </a:p>
+          <a:p>
+            <a:endParaRPr lang="zh-CN" altLang="en-US" dirty="0"/>
+          </a:p>
+        </p:txBody>
+      </p:sp>
+      <p:pic>
+        <p:nvPicPr>
+          <p:cNvPr id="5" name="图片 4"/>
+          <p:cNvPicPr>
+            <a:picLocks noChangeAspect="1"/>
+          </p:cNvPicPr>
+          <p:nvPr/>
+        </p:nvPicPr>
+        <p:blipFill>
+          <a:blip r:embed="rId2">
+            <a:extLst>
+              <a:ext uri="{28A0092B-C50C-407E-A947-70E740481C1C}">
+                <a14:useLocalDpi xmlns:a14="http://schemas.microsoft.com/office/drawing/2010/main" val="0"/>
+              </a:ext>
+            </a:extLst>
+          </a:blip>
+          <a:stretch>
+            <a:fillRect/>
+          </a:stretch>
+        </p:blipFill>
+        <p:spPr>
+          <a:xfrm>
+            <a:off x="1611241" y="2925803"/>
+            <a:ext cx="8969518" cy="3756986"/>
+          </a:xfrm>
+          <a:prstGeom prst="rect">
+            <a:avLst/>
+          </a:prstGeom>
+        </p:spPr>
+      </p:pic>
+      <p:pic>
+        <p:nvPicPr>
+          <p:cNvPr id="5122" name="Picture 2"/>
+          <p:cNvPicPr>
+            <a:picLocks noChangeAspect="1" noChangeArrowheads="1"/>
+          </p:cNvPicPr>
+          <p:nvPr/>
+        </p:nvPicPr>
+        <p:blipFill>
+          <a:blip r:embed="rId3">
+            <a:extLst>
+              <a:ext uri="{28A0092B-C50C-407E-A947-70E740481C1C}">
+                <a14:useLocalDpi xmlns:a14="http://schemas.microsoft.com/office/drawing/2010/main" val="0"/>
+              </a:ext>
+            </a:extLst>
+          </a:blip>
+          <a:srcRect/>
+          <a:stretch>
+            <a:fillRect/>
+          </a:stretch>
+        </p:blipFill>
+        <p:spPr bwMode="auto">
+          <a:xfrm>
+            <a:off x="1896999" y="1982828"/>
+            <a:ext cx="8398002" cy="942975"/>
+          </a:xfrm>
+          <a:prstGeom prst="rect">
+            <a:avLst/>
+          </a:prstGeom>
+          <a:noFill/>
+          <a:ln>
+            <a:noFill/>
+          </a:ln>
+          <a:effectLst/>
+          <a:extLst>
+            <a:ext uri="{909E8E84-426E-40DD-AFC4-6F175D3DCCD1}">
+              <a14:hiddenFill xmlns:a14="http://schemas.microsoft.com/office/drawing/2010/main">
+                <a:solidFill>
+                  <a:schemeClr val="accent1"/>
+                </a:solidFill>
+              </a14:hiddenFill>
+            </a:ext>
+            <a:ext uri="{91240B29-F687-4F45-9708-019B960494DF}">
+              <a14:hiddenLine xmlns:a14="http://schemas.microsoft.com/office/drawing/2010/main" w="9525">
+                <a:solidFill>
+                  <a:schemeClr val="tx1"/>
+                </a:solidFill>
+                <a:miter lim="800000"/>
+                <a:headEnd/>
+                <a:tailEnd/>
+              </a14:hiddenLine>
+            </a:ext>
+            <a:ext uri="{AF507438-7753-43E0-B8FC-AC1667EBCBE1}">
+              <a14:hiddenEffects xmlns:a14="http://schemas.microsoft.com/office/drawing/2010/main">
+                <a:effectLst>
+                  <a:outerShdw dist="35921" dir="2700000" algn="ctr" rotWithShape="0">
+                    <a:schemeClr val="bg2"/>
+                  </a:outerShdw>
+                </a:effectLst>
+              </a14:hiddenEffects>
+            </a:ext>
+          </a:extLst>
+        </p:spPr>
+      </p:pic>
+    </p:spTree>
+    <p:extLst>
+      <p:ext uri="{BB962C8B-B14F-4D97-AF65-F5344CB8AC3E}">
+        <p14:creationId xmlns:p14="http://schemas.microsoft.com/office/powerpoint/2010/main" val="1776361635"/>
+      </p:ext>
+    </p:extLst>
+  </p:cSld>
+  <p:clrMapOvr>
+    <a:masterClrMapping/>
+  </p:clrMapOvr>
+</p:sld>
+</file>
+
+<file path=ppt/slides/slide34.xml><?xml version="1.0" encoding="utf-8"?>
+<p:sld xmlns:a="http://schemas.openxmlformats.org/drawingml/2006/main" xmlns:r="http://schemas.openxmlformats.org/officeDocument/2006/relationships" xmlns:p="http://schemas.openxmlformats.org/presentationml/2006/main">
+  <p:cSld>
+    <p:spTree>
+      <p:nvGrpSpPr>
+        <p:cNvPr id="1" name=""/>
+        <p:cNvGrpSpPr/>
+        <p:nvPr/>
+      </p:nvGrpSpPr>
+      <p:grpSpPr>
+        <a:xfrm>
+          <a:off x="0" y="0"/>
+          <a:ext cx="0" cy="0"/>
+          <a:chOff x="0" y="0"/>
+          <a:chExt cx="0" cy="0"/>
+        </a:xfrm>
+      </p:grpSpPr>
+      <p:sp>
+        <p:nvSpPr>
+          <p:cNvPr id="2" name="标题 1"/>
+          <p:cNvSpPr>
+            <a:spLocks noGrp="1"/>
+          </p:cNvSpPr>
+          <p:nvPr>
+            <p:ph type="title"/>
+          </p:nvPr>
+        </p:nvSpPr>
+        <p:spPr/>
+        <p:txBody>
+          <a:bodyPr/>
+          <a:lstStyle/>
+          <a:p>
+            <a:pPr algn="ctr"/>
+            <a:r>
+              <a:rPr lang="en-US" altLang="zh-CN" dirty="0" err="1" smtClean="0">
+                <a:latin typeface="+mj-ea"/>
+              </a:rPr>
+              <a:t>Qubit</a:t>
+            </a:r>
+            <a:r>
+              <a:rPr lang="zh-CN" altLang="en-US" dirty="0" smtClean="0">
+                <a:latin typeface="+mj-ea"/>
+              </a:rPr>
+              <a:t>频率选取</a:t>
+            </a:r>
+            <a:endParaRPr lang="zh-CN" altLang="en-US" dirty="0">
+              <a:latin typeface="+mj-ea"/>
+            </a:endParaRPr>
+          </a:p>
+        </p:txBody>
+      </p:sp>
+      <p:pic>
+        <p:nvPicPr>
+          <p:cNvPr id="4" name="内容占位符 3"/>
+          <p:cNvPicPr>
+            <a:picLocks noGrp="1" noChangeAspect="1"/>
+          </p:cNvPicPr>
+          <p:nvPr>
+            <p:ph idx="1"/>
+          </p:nvPr>
+        </p:nvPicPr>
+        <p:blipFill>
+          <a:blip r:embed="rId2">
+            <a:extLst>
+              <a:ext uri="{28A0092B-C50C-407E-A947-70E740481C1C}">
+                <a14:useLocalDpi xmlns:a14="http://schemas.microsoft.com/office/drawing/2010/main" val="0"/>
+              </a:ext>
+            </a:extLst>
+          </a:blip>
+          <a:stretch>
+            <a:fillRect/>
+          </a:stretch>
+        </p:blipFill>
+        <p:spPr>
+          <a:xfrm>
+            <a:off x="1747838" y="2856357"/>
+            <a:ext cx="8763760" cy="2446232"/>
+          </a:xfrm>
+          <a:prstGeom prst="rect">
+            <a:avLst/>
+          </a:prstGeom>
+        </p:spPr>
+      </p:pic>
+      <p:pic>
+        <p:nvPicPr>
+          <p:cNvPr id="6146" name="Picture 2"/>
+          <p:cNvPicPr>
+            <a:picLocks noChangeAspect="1" noChangeArrowheads="1"/>
+          </p:cNvPicPr>
+          <p:nvPr/>
+        </p:nvPicPr>
+        <p:blipFill>
+          <a:blip r:embed="rId3">
+            <a:extLst>
+              <a:ext uri="{28A0092B-C50C-407E-A947-70E740481C1C}">
+                <a14:useLocalDpi xmlns:a14="http://schemas.microsoft.com/office/drawing/2010/main" val="0"/>
+              </a:ext>
+            </a:extLst>
+          </a:blip>
+          <a:srcRect/>
+          <a:stretch>
+            <a:fillRect/>
+          </a:stretch>
+        </p:blipFill>
+        <p:spPr bwMode="auto">
+          <a:xfrm>
+            <a:off x="1963293" y="1770507"/>
+            <a:ext cx="8332851" cy="1085850"/>
+          </a:xfrm>
+          <a:prstGeom prst="rect">
+            <a:avLst/>
+          </a:prstGeom>
+          <a:noFill/>
+          <a:ln>
+            <a:noFill/>
+          </a:ln>
+          <a:effectLst/>
+          <a:extLst>
+            <a:ext uri="{909E8E84-426E-40DD-AFC4-6F175D3DCCD1}">
+              <a14:hiddenFill xmlns:a14="http://schemas.microsoft.com/office/drawing/2010/main">
+                <a:solidFill>
+                  <a:schemeClr val="accent1"/>
+                </a:solidFill>
+              </a14:hiddenFill>
+            </a:ext>
+            <a:ext uri="{91240B29-F687-4F45-9708-019B960494DF}">
+              <a14:hiddenLine xmlns:a14="http://schemas.microsoft.com/office/drawing/2010/main" w="9525">
+                <a:solidFill>
+                  <a:schemeClr val="tx1"/>
+                </a:solidFill>
+                <a:miter lim="800000"/>
+                <a:headEnd/>
+                <a:tailEnd/>
+              </a14:hiddenLine>
+            </a:ext>
+            <a:ext uri="{AF507438-7753-43E0-B8FC-AC1667EBCBE1}">
+              <a14:hiddenEffects xmlns:a14="http://schemas.microsoft.com/office/drawing/2010/main">
+                <a:effectLst>
+                  <a:outerShdw dist="35921" dir="2700000" algn="ctr" rotWithShape="0">
+                    <a:schemeClr val="bg2"/>
+                  </a:outerShdw>
+                </a:effectLst>
+              </a14:hiddenEffects>
+            </a:ext>
+          </a:extLst>
+        </p:spPr>
+      </p:pic>
+    </p:spTree>
+    <p:extLst>
+      <p:ext uri="{BB962C8B-B14F-4D97-AF65-F5344CB8AC3E}">
+        <p14:creationId xmlns:p14="http://schemas.microsoft.com/office/powerpoint/2010/main" val="3209118086"/>
+      </p:ext>
+    </p:extLst>
+  </p:cSld>
+  <p:clrMapOvr>
+    <a:masterClrMapping/>
+  </p:clrMapOvr>
+</p:sld>
+</file>
+
+<file path=ppt/slides/slide35.xml><?xml version="1.0" encoding="utf-8"?>
+<p:sld xmlns:a="http://schemas.openxmlformats.org/drawingml/2006/main" xmlns:r="http://schemas.openxmlformats.org/officeDocument/2006/relationships" xmlns:p="http://schemas.openxmlformats.org/presentationml/2006/main">
+  <p:cSld>
+    <p:spTree>
+      <p:nvGrpSpPr>
+        <p:cNvPr id="1" name=""/>
+        <p:cNvGrpSpPr/>
+        <p:nvPr/>
+      </p:nvGrpSpPr>
+      <p:grpSpPr>
+        <a:xfrm>
+          <a:off x="0" y="0"/>
+          <a:ext cx="0" cy="0"/>
+          <a:chOff x="0" y="0"/>
+          <a:chExt cx="0" cy="0"/>
+        </a:xfrm>
+      </p:grpSpPr>
+      <p:sp>
+        <p:nvSpPr>
+          <p:cNvPr id="2" name="标题 1"/>
+          <p:cNvSpPr>
+            <a:spLocks noGrp="1"/>
+          </p:cNvSpPr>
+          <p:nvPr>
+            <p:ph type="title"/>
+          </p:nvPr>
+        </p:nvSpPr>
+        <p:spPr/>
+        <p:txBody>
+          <a:bodyPr/>
+          <a:lstStyle/>
+          <a:p>
+            <a:pPr algn="ctr"/>
+            <a:r>
+              <a:rPr lang="en-US" altLang="zh-CN" dirty="0" err="1" smtClean="0">
+                <a:latin typeface="+mj-ea"/>
+              </a:rPr>
+              <a:t>Qubit</a:t>
+            </a:r>
+            <a:r>
+              <a:rPr lang="zh-CN" altLang="en-US" dirty="0" smtClean="0">
+                <a:latin typeface="+mj-ea"/>
+              </a:rPr>
+              <a:t>频率选取</a:t>
+            </a:r>
+            <a:endParaRPr lang="zh-CN" altLang="en-US" dirty="0">
+              <a:latin typeface="+mj-ea"/>
+            </a:endParaRPr>
+          </a:p>
+        </p:txBody>
+      </p:sp>
+      <p:sp>
+        <p:nvSpPr>
+          <p:cNvPr id="3" name="内容占位符 2"/>
+          <p:cNvSpPr>
+            <a:spLocks noGrp="1"/>
+          </p:cNvSpPr>
+          <p:nvPr>
+            <p:ph idx="1"/>
+          </p:nvPr>
+        </p:nvSpPr>
+        <p:spPr/>
+        <p:txBody>
+          <a:bodyPr/>
+          <a:lstStyle/>
+          <a:p>
+            <a:r>
+              <a:rPr lang="zh-CN" altLang="en-US" dirty="0" smtClean="0"/>
+              <a:t>上面一行能级排列是比较明显的</a:t>
+            </a:r>
+            <a:r>
+              <a:rPr lang="en-US" altLang="zh-CN" dirty="0" smtClean="0"/>
+              <a:t>W</a:t>
+            </a:r>
+            <a:r>
+              <a:rPr lang="zh-CN" altLang="en-US" dirty="0" smtClean="0"/>
+              <a:t>型结构，在一定频率范围内，先由高到低，再由低到高，并不是一高一低这种排列</a:t>
+            </a:r>
+            <a:endParaRPr lang="en-US" altLang="zh-CN" dirty="0" smtClean="0"/>
+          </a:p>
+          <a:p>
+            <a:r>
+              <a:rPr lang="zh-CN" altLang="en-US" dirty="0" smtClean="0"/>
+              <a:t>下面一行排列的比较混乱，既有由高到低排列，又有一高一低这种排列</a:t>
+            </a:r>
+            <a:endParaRPr lang="en-US" altLang="zh-CN" dirty="0" smtClean="0"/>
+          </a:p>
+          <a:p>
+            <a:r>
+              <a:rPr lang="zh-CN" altLang="en-US" dirty="0" smtClean="0"/>
+              <a:t>整体比特的频率范围在</a:t>
+            </a:r>
+            <a:r>
+              <a:rPr lang="en-US" altLang="zh-CN" dirty="0" smtClean="0"/>
+              <a:t>4.870G</a:t>
+            </a:r>
+            <a:r>
+              <a:rPr lang="zh-CN" altLang="en-US" dirty="0" smtClean="0"/>
+              <a:t>到</a:t>
+            </a:r>
+            <a:r>
+              <a:rPr lang="en-US" altLang="zh-CN" dirty="0" smtClean="0"/>
+              <a:t>5.400G</a:t>
+            </a:r>
+            <a:r>
+              <a:rPr lang="zh-CN" altLang="en-US" dirty="0" smtClean="0"/>
+              <a:t>之间</a:t>
+            </a:r>
+            <a:endParaRPr lang="en-US" altLang="zh-CN" dirty="0" smtClean="0"/>
+          </a:p>
+          <a:p>
+            <a:r>
+              <a:rPr lang="zh-CN" altLang="en-US" dirty="0" smtClean="0"/>
+              <a:t>相邻比特最小频率差为</a:t>
+            </a:r>
+            <a:r>
+              <a:rPr lang="en-US" altLang="zh-CN" dirty="0" smtClean="0"/>
+              <a:t>40M</a:t>
+            </a:r>
+            <a:r>
+              <a:rPr lang="zh-CN" altLang="en-US" dirty="0" smtClean="0"/>
+              <a:t>，发生在上下两行连接的</a:t>
+            </a:r>
+            <a:r>
+              <a:rPr lang="en-US" altLang="zh-CN" dirty="0" smtClean="0"/>
+              <a:t>Q8</a:t>
+            </a:r>
+            <a:r>
+              <a:rPr lang="zh-CN" altLang="en-US" dirty="0" smtClean="0"/>
+              <a:t>和</a:t>
+            </a:r>
+            <a:r>
+              <a:rPr lang="en-US" altLang="zh-CN" dirty="0" smtClean="0"/>
+              <a:t>Q9</a:t>
+            </a:r>
+            <a:r>
+              <a:rPr lang="zh-CN" altLang="en-US" dirty="0" smtClean="0"/>
+              <a:t>之间，同一行最小频率差为</a:t>
+            </a:r>
+            <a:r>
+              <a:rPr lang="en-US" altLang="zh-CN" dirty="0" smtClean="0"/>
+              <a:t>69M</a:t>
+            </a:r>
+            <a:r>
+              <a:rPr lang="zh-CN" altLang="en-US" dirty="0" smtClean="0"/>
+              <a:t>，发生在</a:t>
+            </a:r>
+            <a:r>
+              <a:rPr lang="en-US" altLang="zh-CN" dirty="0" smtClean="0"/>
+              <a:t>Q11</a:t>
+            </a:r>
+            <a:r>
+              <a:rPr lang="zh-CN" altLang="en-US" dirty="0" smtClean="0"/>
+              <a:t>和</a:t>
+            </a:r>
+            <a:r>
+              <a:rPr lang="en-US" altLang="zh-CN" dirty="0" smtClean="0"/>
+              <a:t>Q10</a:t>
+            </a:r>
+            <a:r>
+              <a:rPr lang="zh-CN" altLang="en-US" dirty="0" smtClean="0"/>
+              <a:t>之间</a:t>
+            </a:r>
+            <a:endParaRPr lang="en-US" altLang="zh-CN" dirty="0" smtClean="0"/>
+          </a:p>
+          <a:p>
+            <a:r>
+              <a:rPr lang="zh-CN" altLang="en-US" dirty="0"/>
+              <a:t>次</a:t>
+            </a:r>
+            <a:r>
+              <a:rPr lang="zh-CN" altLang="en-US" dirty="0" smtClean="0"/>
+              <a:t>近邻比特最小频率差为</a:t>
+            </a:r>
+            <a:r>
+              <a:rPr lang="en-US" altLang="zh-CN" dirty="0" smtClean="0"/>
+              <a:t>19M</a:t>
+            </a:r>
+            <a:r>
+              <a:rPr lang="zh-CN" altLang="en-US" dirty="0" smtClean="0"/>
+              <a:t>，发生在</a:t>
+            </a:r>
+            <a:r>
+              <a:rPr lang="en-US" altLang="zh-CN" dirty="0" smtClean="0"/>
+              <a:t>Q2</a:t>
+            </a:r>
+            <a:r>
+              <a:rPr lang="zh-CN" altLang="en-US" dirty="0" smtClean="0"/>
+              <a:t>和</a:t>
+            </a:r>
+            <a:r>
+              <a:rPr lang="en-US" altLang="zh-CN" dirty="0" smtClean="0"/>
+              <a:t>Q0</a:t>
+            </a:r>
+            <a:r>
+              <a:rPr lang="zh-CN" altLang="en-US" dirty="0" smtClean="0"/>
+              <a:t>之间，同一行间次近邻频率差最小为</a:t>
+            </a:r>
+            <a:r>
+              <a:rPr lang="en-US" altLang="zh-CN" dirty="0" smtClean="0"/>
+              <a:t>22M</a:t>
+            </a:r>
+            <a:r>
+              <a:rPr lang="zh-CN" altLang="en-US" dirty="0" smtClean="0"/>
+              <a:t>，发生在</a:t>
+            </a:r>
+            <a:r>
+              <a:rPr lang="en-US" altLang="zh-CN" dirty="0" smtClean="0"/>
+              <a:t>Q13</a:t>
+            </a:r>
+            <a:r>
+              <a:rPr lang="zh-CN" altLang="en-US" dirty="0" smtClean="0"/>
+              <a:t>和</a:t>
+            </a:r>
+            <a:r>
+              <a:rPr lang="en-US" altLang="zh-CN" dirty="0" smtClean="0"/>
+              <a:t>Q11</a:t>
+            </a:r>
+            <a:r>
+              <a:rPr lang="zh-CN" altLang="en-US" dirty="0" smtClean="0"/>
+              <a:t>之间</a:t>
+            </a:r>
+            <a:endParaRPr lang="en-US" altLang="zh-CN" dirty="0" smtClean="0"/>
+          </a:p>
+          <a:p>
+            <a:endParaRPr lang="zh-CN" altLang="en-US" dirty="0"/>
+          </a:p>
+        </p:txBody>
+      </p:sp>
+    </p:spTree>
+    <p:extLst>
+      <p:ext uri="{BB962C8B-B14F-4D97-AF65-F5344CB8AC3E}">
+        <p14:creationId xmlns:p14="http://schemas.microsoft.com/office/powerpoint/2010/main" val="4133322880"/>
+      </p:ext>
+    </p:extLst>
+  </p:cSld>
+  <p:clrMapOvr>
+    <a:masterClrMapping/>
+  </p:clrMapOvr>
+</p:sld>
+</file>
+
+<file path=ppt/slides/slide36.xml><?xml version="1.0" encoding="utf-8"?>
+<p:sld xmlns:a="http://schemas.openxmlformats.org/drawingml/2006/main" xmlns:r="http://schemas.openxmlformats.org/officeDocument/2006/relationships" xmlns:p="http://schemas.openxmlformats.org/presentationml/2006/main">
+  <p:cSld>
+    <p:spTree>
+      <p:nvGrpSpPr>
+        <p:cNvPr id="1" name=""/>
+        <p:cNvGrpSpPr/>
+        <p:nvPr/>
+      </p:nvGrpSpPr>
+      <p:grpSpPr>
+        <a:xfrm>
+          <a:off x="0" y="0"/>
+          <a:ext cx="0" cy="0"/>
+          <a:chOff x="0" y="0"/>
+          <a:chExt cx="0" cy="0"/>
+        </a:xfrm>
+      </p:grpSpPr>
+      <p:sp>
+        <p:nvSpPr>
+          <p:cNvPr id="2" name="标题 1"/>
+          <p:cNvSpPr>
+            <a:spLocks noGrp="1"/>
+          </p:cNvSpPr>
+          <p:nvPr>
+            <p:ph type="title"/>
+          </p:nvPr>
+        </p:nvSpPr>
+        <p:spPr/>
+        <p:txBody>
+          <a:bodyPr/>
+          <a:lstStyle/>
+          <a:p>
+            <a:pPr algn="ctr"/>
+            <a:r>
+              <a:rPr lang="en-US" altLang="zh-CN" dirty="0" err="1">
+                <a:latin typeface="+mj-ea"/>
+              </a:rPr>
+              <a:t>Qubit</a:t>
+            </a:r>
+            <a:r>
+              <a:rPr lang="zh-CN" altLang="en-US" dirty="0">
+                <a:latin typeface="+mj-ea"/>
+              </a:rPr>
+              <a:t>频率选取</a:t>
+            </a:r>
+            <a:endParaRPr lang="zh-CN" altLang="en-US" dirty="0"/>
+          </a:p>
+        </p:txBody>
+      </p:sp>
+      <p:sp>
+        <p:nvSpPr>
+          <p:cNvPr id="3" name="内容占位符 2"/>
+          <p:cNvSpPr>
+            <a:spLocks noGrp="1"/>
+          </p:cNvSpPr>
+          <p:nvPr>
+            <p:ph idx="1"/>
+          </p:nvPr>
+        </p:nvSpPr>
+        <p:spPr/>
+        <p:txBody>
+          <a:bodyPr/>
+          <a:lstStyle/>
+          <a:p>
+            <a:r>
+              <a:rPr lang="en-US" altLang="zh-CN" dirty="0" err="1" smtClean="0"/>
+              <a:t>Qubit</a:t>
+            </a:r>
+            <a:r>
+              <a:rPr lang="zh-CN" altLang="en-US" dirty="0" smtClean="0"/>
+              <a:t>近邻的影响，主要是相邻比特频率越近，</a:t>
+            </a:r>
+            <a:r>
+              <a:rPr lang="en-US" altLang="zh-CN" dirty="0" smtClean="0"/>
+              <a:t>ZZ</a:t>
+            </a:r>
+            <a:r>
+              <a:rPr lang="zh-CN" altLang="en-US" dirty="0" smtClean="0"/>
+              <a:t>效应越明显，对于相位积累，以及</a:t>
+            </a:r>
+            <a:r>
+              <a:rPr lang="en-US" altLang="zh-CN" dirty="0" smtClean="0"/>
+              <a:t>CR</a:t>
+            </a:r>
+            <a:r>
+              <a:rPr lang="zh-CN" altLang="en-US" dirty="0" smtClean="0"/>
+              <a:t>，</a:t>
+            </a:r>
+            <a:r>
+              <a:rPr lang="en-US" altLang="zh-CN" dirty="0" smtClean="0"/>
+              <a:t>X</a:t>
+            </a:r>
+            <a:r>
+              <a:rPr lang="zh-CN" altLang="en-US" dirty="0" smtClean="0"/>
+              <a:t>门保真度都有影响。</a:t>
+            </a:r>
+            <a:endParaRPr lang="en-US" altLang="zh-CN" dirty="0" smtClean="0"/>
+          </a:p>
+          <a:p>
+            <a:r>
+              <a:rPr lang="en-US" altLang="zh-CN" dirty="0" err="1" smtClean="0"/>
+              <a:t>Qubit</a:t>
+            </a:r>
+            <a:r>
+              <a:rPr lang="zh-CN" altLang="en-US" dirty="0" smtClean="0"/>
+              <a:t>次近邻的影响，主要在</a:t>
+            </a:r>
+            <a:r>
+              <a:rPr lang="en-US" altLang="zh-CN" dirty="0" err="1" smtClean="0"/>
+              <a:t>Target~Control~Target</a:t>
+            </a:r>
+            <a:r>
+              <a:rPr lang="zh-CN" altLang="en-US" dirty="0" smtClean="0"/>
+              <a:t>模型中，如果两个</a:t>
+            </a:r>
+            <a:r>
+              <a:rPr lang="en-US" altLang="zh-CN" dirty="0" smtClean="0"/>
+              <a:t>target</a:t>
+            </a:r>
+            <a:r>
+              <a:rPr lang="zh-CN" altLang="en-US" dirty="0" smtClean="0"/>
+              <a:t>频率接近，当驱动一个</a:t>
+            </a:r>
+            <a:r>
+              <a:rPr lang="en-US" altLang="zh-CN" dirty="0" smtClean="0"/>
+              <a:t>target</a:t>
+            </a:r>
+            <a:r>
+              <a:rPr lang="zh-CN" altLang="en-US" dirty="0" smtClean="0"/>
+              <a:t>时，另一个也会有一定的驱动，造成保真度下降。</a:t>
+            </a:r>
+            <a:endParaRPr lang="zh-CN" altLang="en-US" dirty="0"/>
+          </a:p>
+        </p:txBody>
+      </p:sp>
+    </p:spTree>
+    <p:extLst>
+      <p:ext uri="{BB962C8B-B14F-4D97-AF65-F5344CB8AC3E}">
+        <p14:creationId xmlns:p14="http://schemas.microsoft.com/office/powerpoint/2010/main" val="3651198499"/>
+      </p:ext>
+    </p:extLst>
+  </p:cSld>
+  <p:clrMapOvr>
+    <a:masterClrMapping/>
+  </p:clrMapOvr>
+</p:sld>
+</file>
+
+<file path=ppt/slides/slide37.xml><?xml version="1.0" encoding="utf-8"?>
+<p:sld xmlns:a="http://schemas.openxmlformats.org/drawingml/2006/main" xmlns:r="http://schemas.openxmlformats.org/officeDocument/2006/relationships" xmlns:p="http://schemas.openxmlformats.org/presentationml/2006/main">
+  <p:cSld>
+    <p:spTree>
+      <p:nvGrpSpPr>
+        <p:cNvPr id="1" name=""/>
+        <p:cNvGrpSpPr/>
+        <p:nvPr/>
+      </p:nvGrpSpPr>
+      <p:grpSpPr>
+        <a:xfrm>
+          <a:off x="0" y="0"/>
+          <a:ext cx="0" cy="0"/>
+          <a:chOff x="0" y="0"/>
+          <a:chExt cx="0" cy="0"/>
+        </a:xfrm>
+      </p:grpSpPr>
+      <p:sp>
+        <p:nvSpPr>
+          <p:cNvPr id="2" name="标题 1"/>
+          <p:cNvSpPr>
+            <a:spLocks noGrp="1"/>
+          </p:cNvSpPr>
+          <p:nvPr>
+            <p:ph type="title"/>
+          </p:nvPr>
+        </p:nvSpPr>
+        <p:spPr/>
+        <p:txBody>
+          <a:bodyPr/>
+          <a:lstStyle/>
+          <a:p>
+            <a:pPr algn="ctr"/>
+            <a:r>
+              <a:rPr lang="en-US" altLang="zh-CN" dirty="0" err="1">
+                <a:latin typeface="+mj-ea"/>
+              </a:rPr>
+              <a:t>Qubit</a:t>
+            </a:r>
+            <a:r>
+              <a:rPr lang="zh-CN" altLang="en-US" dirty="0">
+                <a:latin typeface="+mj-ea"/>
+              </a:rPr>
+              <a:t>频率选取</a:t>
+            </a:r>
+            <a:endParaRPr lang="zh-CN" altLang="en-US" dirty="0"/>
+          </a:p>
+        </p:txBody>
+      </p:sp>
+      <p:sp>
+        <p:nvSpPr>
+          <p:cNvPr id="3" name="内容占位符 2"/>
+          <p:cNvSpPr>
+            <a:spLocks noGrp="1"/>
+          </p:cNvSpPr>
+          <p:nvPr>
+            <p:ph idx="1"/>
+          </p:nvPr>
+        </p:nvSpPr>
+        <p:spPr/>
+        <p:txBody>
+          <a:bodyPr/>
+          <a:lstStyle/>
+          <a:p>
+            <a:r>
+              <a:rPr lang="zh-CN" altLang="en-US" dirty="0" smtClean="0"/>
+              <a:t>在</a:t>
+            </a:r>
+            <a:r>
+              <a:rPr lang="en-US" altLang="zh-CN" dirty="0" smtClean="0"/>
+              <a:t>4</a:t>
+            </a:r>
+            <a:r>
+              <a:rPr lang="zh-CN" altLang="en-US" dirty="0" smtClean="0"/>
+              <a:t>比特仿真中，保持</a:t>
+            </a:r>
+            <a:r>
+              <a:rPr lang="en-US" altLang="zh-CN" dirty="0" smtClean="0"/>
+              <a:t>qubit1</a:t>
+            </a:r>
+            <a:r>
+              <a:rPr lang="zh-CN" altLang="en-US" dirty="0" smtClean="0"/>
+              <a:t>和</a:t>
+            </a:r>
+            <a:r>
+              <a:rPr lang="en-US" altLang="zh-CN" dirty="0" smtClean="0"/>
+              <a:t>2</a:t>
+            </a:r>
+            <a:r>
+              <a:rPr lang="zh-CN" altLang="en-US" dirty="0" smtClean="0"/>
+              <a:t>不变，分别改变</a:t>
+            </a:r>
+            <a:r>
+              <a:rPr lang="en-US" altLang="zh-CN" dirty="0" smtClean="0"/>
+              <a:t>qubit0</a:t>
+            </a:r>
+            <a:r>
+              <a:rPr lang="zh-CN" altLang="en-US" dirty="0" smtClean="0"/>
+              <a:t>和</a:t>
+            </a:r>
+            <a:r>
+              <a:rPr lang="en-US" altLang="zh-CN" dirty="0" smtClean="0"/>
+              <a:t>qubit3</a:t>
+            </a:r>
+            <a:r>
+              <a:rPr lang="zh-CN" altLang="en-US" dirty="0" smtClean="0"/>
+              <a:t>的频率，观察保真度变化，从而得出在现有耦合强度下（</a:t>
+            </a:r>
+            <a:r>
+              <a:rPr lang="en-US" altLang="zh-CN" dirty="0" smtClean="0"/>
+              <a:t>3.8M</a:t>
+            </a:r>
+            <a:r>
+              <a:rPr lang="zh-CN" altLang="en-US" dirty="0" smtClean="0"/>
+              <a:t>），近邻和次近邻比特最近能到多少</a:t>
+            </a:r>
+            <a:endParaRPr lang="zh-CN" altLang="en-US" dirty="0"/>
+          </a:p>
+        </p:txBody>
+      </p:sp>
+    </p:spTree>
+    <p:extLst>
+      <p:ext uri="{BB962C8B-B14F-4D97-AF65-F5344CB8AC3E}">
+        <p14:creationId xmlns:p14="http://schemas.microsoft.com/office/powerpoint/2010/main" val="729608930"/>
+      </p:ext>
+    </p:extLst>
+  </p:cSld>
+  <p:clrMapOvr>
+    <a:masterClrMapping/>
+  </p:clrMapOvr>
+</p:sld>
+</file>
+
+<file path=ppt/slides/slide38.xml><?xml version="1.0" encoding="utf-8"?>
+<p:sld xmlns:a="http://schemas.openxmlformats.org/drawingml/2006/main" xmlns:r="http://schemas.openxmlformats.org/officeDocument/2006/relationships" xmlns:p="http://schemas.openxmlformats.org/presentationml/2006/main">
+  <p:cSld>
+    <p:spTree>
+      <p:nvGrpSpPr>
+        <p:cNvPr id="1" name=""/>
+        <p:cNvGrpSpPr/>
+        <p:nvPr/>
+      </p:nvGrpSpPr>
+      <p:grpSpPr>
+        <a:xfrm>
+          <a:off x="0" y="0"/>
+          <a:ext cx="0" cy="0"/>
+          <a:chOff x="0" y="0"/>
+          <a:chExt cx="0" cy="0"/>
+        </a:xfrm>
+      </p:grpSpPr>
+      <p:sp>
+        <p:nvSpPr>
+          <p:cNvPr id="2" name="标题 1"/>
+          <p:cNvSpPr>
+            <a:spLocks noGrp="1"/>
+          </p:cNvSpPr>
+          <p:nvPr>
+            <p:ph type="title"/>
+          </p:nvPr>
+        </p:nvSpPr>
+        <p:spPr/>
+        <p:txBody>
+          <a:bodyPr/>
+          <a:lstStyle/>
+          <a:p>
+            <a:pPr algn="ctr"/>
+            <a:r>
+              <a:rPr lang="en-US" altLang="zh-CN" dirty="0" err="1">
+                <a:latin typeface="+mj-ea"/>
+              </a:rPr>
+              <a:t>Qubit</a:t>
+            </a:r>
+            <a:r>
+              <a:rPr lang="zh-CN" altLang="en-US" dirty="0">
+                <a:latin typeface="+mj-ea"/>
+              </a:rPr>
+              <a:t>频率选取</a:t>
+            </a:r>
+            <a:endParaRPr lang="zh-CN" altLang="en-US" dirty="0"/>
+          </a:p>
+        </p:txBody>
+      </p:sp>
+      <p:sp>
+        <p:nvSpPr>
+          <p:cNvPr id="3" name="内容占位符 2"/>
+          <p:cNvSpPr>
+            <a:spLocks noGrp="1"/>
+          </p:cNvSpPr>
+          <p:nvPr>
+            <p:ph idx="1"/>
+          </p:nvPr>
+        </p:nvSpPr>
+        <p:spPr/>
+        <p:txBody>
+          <a:bodyPr>
+            <a:normAutofit/>
+          </a:bodyPr>
+          <a:lstStyle/>
+          <a:p>
+            <a:r>
+              <a:rPr lang="zh-CN" altLang="en-US" sz="2400" dirty="0" smtClean="0"/>
+              <a:t>改变比特</a:t>
+            </a:r>
+            <a:r>
+              <a:rPr lang="en-US" altLang="zh-CN" sz="2400" dirty="0" smtClean="0"/>
+              <a:t>0</a:t>
+            </a:r>
+            <a:r>
+              <a:rPr lang="zh-CN" altLang="en-US" sz="2400" dirty="0" smtClean="0"/>
+              <a:t>频率：当</a:t>
+            </a:r>
+            <a:r>
+              <a:rPr lang="en-US" altLang="zh-CN" sz="2400" dirty="0" smtClean="0"/>
+              <a:t>qubit0</a:t>
+            </a:r>
+            <a:r>
+              <a:rPr lang="zh-CN" altLang="en-US" sz="2400" dirty="0" smtClean="0"/>
+              <a:t>逐渐接近</a:t>
+            </a:r>
+            <a:r>
+              <a:rPr lang="en-US" altLang="zh-CN" sz="2400" dirty="0" smtClean="0"/>
+              <a:t>qubit2</a:t>
+            </a:r>
+            <a:r>
+              <a:rPr lang="zh-CN" altLang="en-US" sz="2400" dirty="0" smtClean="0"/>
+              <a:t>频率</a:t>
+            </a:r>
+            <a:r>
+              <a:rPr lang="en-US" altLang="zh-CN" sz="2400" dirty="0" smtClean="0"/>
+              <a:t>5.042G</a:t>
+            </a:r>
+            <a:r>
+              <a:rPr lang="zh-CN" altLang="en-US" sz="2400" dirty="0" smtClean="0"/>
+              <a:t>时，保真度下降，随后远离</a:t>
+            </a:r>
+            <a:r>
+              <a:rPr lang="en-US" altLang="zh-CN" sz="2400" dirty="0" smtClean="0"/>
+              <a:t>5.042G</a:t>
+            </a:r>
+            <a:r>
+              <a:rPr lang="zh-CN" altLang="en-US" sz="2400" dirty="0" smtClean="0"/>
+              <a:t>，有个上升，随后又接近</a:t>
+            </a:r>
+            <a:r>
+              <a:rPr lang="en-US" altLang="zh-CN" sz="2400" dirty="0" smtClean="0"/>
+              <a:t>qubit1</a:t>
+            </a:r>
+            <a:r>
+              <a:rPr lang="zh-CN" altLang="en-US" sz="2400" dirty="0" smtClean="0"/>
+              <a:t>频率</a:t>
+            </a:r>
+            <a:r>
+              <a:rPr lang="en-US" altLang="zh-CN" sz="2400" dirty="0" smtClean="0"/>
+              <a:t>5.110G</a:t>
+            </a:r>
+            <a:r>
+              <a:rPr lang="zh-CN" altLang="en-US" sz="2400" dirty="0" smtClean="0"/>
+              <a:t>，保真度有接着下降。</a:t>
+            </a:r>
+            <a:endParaRPr lang="en-US" altLang="zh-CN" sz="2400" dirty="0" smtClean="0"/>
+          </a:p>
+          <a:p>
+            <a:r>
+              <a:rPr lang="zh-CN" altLang="en-US" sz="2400" dirty="0" smtClean="0"/>
+              <a:t>保证</a:t>
+            </a:r>
+            <a:r>
+              <a:rPr lang="en-US" altLang="zh-CN" sz="2400" dirty="0" err="1" smtClean="0"/>
+              <a:t>Ufidelity</a:t>
+            </a:r>
+            <a:r>
+              <a:rPr lang="zh-CN" altLang="en-US" sz="2400" dirty="0" smtClean="0"/>
+              <a:t>仍大于</a:t>
+            </a:r>
+            <a:r>
+              <a:rPr lang="en-US" altLang="zh-CN" sz="2400" dirty="0" smtClean="0"/>
+              <a:t>0.99</a:t>
+            </a:r>
+            <a:r>
+              <a:rPr lang="zh-CN" altLang="en-US" sz="2400" dirty="0" smtClean="0"/>
+              <a:t>的最大</a:t>
+            </a:r>
+            <a:r>
+              <a:rPr lang="en-US" altLang="zh-CN" sz="2400" dirty="0" smtClean="0"/>
+              <a:t>wq0</a:t>
+            </a:r>
+            <a:r>
+              <a:rPr lang="zh-CN" altLang="en-US" sz="2400" dirty="0" smtClean="0"/>
+              <a:t>为</a:t>
+            </a:r>
+            <a:r>
+              <a:rPr lang="en-US" altLang="zh-CN" sz="2400" dirty="0" smtClean="0"/>
+              <a:t>5.017G</a:t>
+            </a:r>
+            <a:r>
+              <a:rPr lang="zh-CN" altLang="en-US" sz="2400" dirty="0" smtClean="0"/>
+              <a:t>，距</a:t>
+            </a:r>
+            <a:r>
+              <a:rPr lang="en-US" altLang="zh-CN" sz="2400" dirty="0" smtClean="0"/>
+              <a:t>5.042G</a:t>
+            </a:r>
+            <a:r>
+              <a:rPr lang="zh-CN" altLang="en-US" sz="2400" dirty="0" smtClean="0"/>
+              <a:t>为</a:t>
+            </a:r>
+            <a:r>
+              <a:rPr lang="en-US" altLang="zh-CN" sz="2400" dirty="0" smtClean="0"/>
+              <a:t>25M</a:t>
+            </a:r>
+            <a:r>
+              <a:rPr lang="zh-CN" altLang="en-US" sz="2400" dirty="0" smtClean="0"/>
+              <a:t>，即保证</a:t>
+            </a:r>
+            <a:r>
+              <a:rPr lang="en-US" altLang="zh-CN" sz="2400" dirty="0" smtClean="0"/>
+              <a:t>TCT</a:t>
+            </a:r>
+            <a:r>
+              <a:rPr lang="zh-CN" altLang="en-US" sz="2400" dirty="0" smtClean="0"/>
+              <a:t>模型中，次近邻超过</a:t>
+            </a:r>
+            <a:r>
+              <a:rPr lang="en-US" altLang="zh-CN" sz="2400" dirty="0" smtClean="0"/>
+              <a:t>25M</a:t>
+            </a:r>
+            <a:endParaRPr lang="zh-CN" altLang="en-US" sz="2400" dirty="0"/>
+          </a:p>
+        </p:txBody>
+      </p:sp>
+      <p:pic>
+        <p:nvPicPr>
+          <p:cNvPr id="7170" name="Picture 2" descr="F:\laboratory\Sync\程序\programme\two qubit gate\CZgate\IBM\result\临近比特影响\wq0_fine.png"/>
+          <p:cNvPicPr>
+            <a:picLocks noChangeAspect="1" noChangeArrowheads="1"/>
+          </p:cNvPicPr>
+          <p:nvPr/>
+        </p:nvPicPr>
+        <p:blipFill>
+          <a:blip r:embed="rId2">
+            <a:extLst>
+              <a:ext uri="{28A0092B-C50C-407E-A947-70E740481C1C}">
+                <a14:useLocalDpi xmlns:a14="http://schemas.microsoft.com/office/drawing/2010/main" val="0"/>
+              </a:ext>
+            </a:extLst>
+          </a:blip>
+          <a:srcRect/>
+          <a:stretch>
+            <a:fillRect/>
+          </a:stretch>
+        </p:blipFill>
+        <p:spPr bwMode="auto">
+          <a:xfrm>
+            <a:off x="5145343" y="3078238"/>
+            <a:ext cx="4465002" cy="3349357"/>
+          </a:xfrm>
+          <a:prstGeom prst="rect">
+            <a:avLst/>
+          </a:prstGeom>
+          <a:noFill/>
+          <a:extLst>
+            <a:ext uri="{909E8E84-426E-40DD-AFC4-6F175D3DCCD1}">
+              <a14:hiddenFill xmlns:a14="http://schemas.microsoft.com/office/drawing/2010/main">
+                <a:solidFill>
+                  <a:srgbClr val="FFFFFF"/>
+                </a:solidFill>
+              </a14:hiddenFill>
+            </a:ext>
+          </a:extLst>
+        </p:spPr>
+      </p:pic>
+    </p:spTree>
+    <p:extLst>
+      <p:ext uri="{BB962C8B-B14F-4D97-AF65-F5344CB8AC3E}">
+        <p14:creationId xmlns:p14="http://schemas.microsoft.com/office/powerpoint/2010/main" val="2420158082"/>
+      </p:ext>
+    </p:extLst>
+  </p:cSld>
+  <p:clrMapOvr>
+    <a:masterClrMapping/>
+  </p:clrMapOvr>
+</p:sld>
+</file>
+
+<file path=ppt/slides/slide39.xml><?xml version="1.0" encoding="utf-8"?>
+<p:sld xmlns:a="http://schemas.openxmlformats.org/drawingml/2006/main" xmlns:r="http://schemas.openxmlformats.org/officeDocument/2006/relationships" xmlns:p="http://schemas.openxmlformats.org/presentationml/2006/main">
+  <p:cSld>
+    <p:spTree>
+      <p:nvGrpSpPr>
+        <p:cNvPr id="1" name=""/>
+        <p:cNvGrpSpPr/>
+        <p:nvPr/>
+      </p:nvGrpSpPr>
+      <p:grpSpPr>
+        <a:xfrm>
+          <a:off x="0" y="0"/>
+          <a:ext cx="0" cy="0"/>
+          <a:chOff x="0" y="0"/>
+          <a:chExt cx="0" cy="0"/>
+        </a:xfrm>
+      </p:grpSpPr>
+      <p:sp>
+        <p:nvSpPr>
+          <p:cNvPr id="2" name="标题 1"/>
+          <p:cNvSpPr>
+            <a:spLocks noGrp="1"/>
+          </p:cNvSpPr>
+          <p:nvPr>
+            <p:ph type="title"/>
+          </p:nvPr>
+        </p:nvSpPr>
+        <p:spPr/>
+        <p:txBody>
+          <a:bodyPr/>
+          <a:lstStyle/>
+          <a:p>
+            <a:pPr algn="ctr"/>
+            <a:r>
+              <a:rPr lang="en-US" altLang="zh-CN" dirty="0" err="1">
+                <a:latin typeface="+mj-ea"/>
+              </a:rPr>
+              <a:t>Qubit</a:t>
+            </a:r>
+            <a:r>
+              <a:rPr lang="zh-CN" altLang="en-US" dirty="0">
+                <a:latin typeface="+mj-ea"/>
+              </a:rPr>
+              <a:t>频率选取</a:t>
+            </a:r>
+            <a:endParaRPr lang="zh-CN" altLang="en-US" dirty="0"/>
+          </a:p>
+        </p:txBody>
+      </p:sp>
+      <p:sp>
+        <p:nvSpPr>
+          <p:cNvPr id="3" name="内容占位符 2"/>
+          <p:cNvSpPr>
+            <a:spLocks noGrp="1"/>
+          </p:cNvSpPr>
+          <p:nvPr>
+            <p:ph idx="1"/>
+          </p:nvPr>
+        </p:nvSpPr>
+        <p:spPr/>
+        <p:txBody>
+          <a:bodyPr>
+            <a:normAutofit/>
+          </a:bodyPr>
+          <a:lstStyle/>
+          <a:p>
+            <a:r>
+              <a:rPr lang="zh-CN" altLang="en-US" sz="2400" dirty="0" smtClean="0"/>
+              <a:t>改变比特</a:t>
+            </a:r>
+            <a:r>
+              <a:rPr lang="en-US" altLang="zh-CN" sz="2400" dirty="0" smtClean="0"/>
+              <a:t>3</a:t>
+            </a:r>
+            <a:r>
+              <a:rPr lang="zh-CN" altLang="en-US" sz="2400" dirty="0" smtClean="0"/>
+              <a:t>频率：当</a:t>
+            </a:r>
+            <a:r>
+              <a:rPr lang="en-US" altLang="zh-CN" sz="2400" dirty="0" smtClean="0"/>
+              <a:t>qubit3</a:t>
+            </a:r>
+            <a:r>
+              <a:rPr lang="zh-CN" altLang="en-US" sz="2400" dirty="0" smtClean="0"/>
+              <a:t>远离</a:t>
+            </a:r>
+            <a:r>
+              <a:rPr lang="en-US" altLang="zh-CN" sz="2400" dirty="0" smtClean="0"/>
+              <a:t>qubit2</a:t>
+            </a:r>
+            <a:r>
+              <a:rPr lang="zh-CN" altLang="en-US" sz="2400" dirty="0" smtClean="0"/>
+              <a:t>频率</a:t>
+            </a:r>
+            <a:r>
+              <a:rPr lang="en-US" altLang="zh-CN" sz="2400" dirty="0" smtClean="0"/>
+              <a:t>5.042G</a:t>
+            </a:r>
+            <a:r>
+              <a:rPr lang="zh-CN" altLang="en-US" sz="2400" dirty="0" smtClean="0"/>
+              <a:t>，保真度逐渐增大</a:t>
+            </a:r>
+            <a:endParaRPr lang="en-US" altLang="zh-CN" sz="2400" dirty="0" smtClean="0"/>
+          </a:p>
+          <a:p>
+            <a:r>
+              <a:rPr lang="zh-CN" altLang="en-US" sz="2400" dirty="0" smtClean="0"/>
+              <a:t>保证</a:t>
+            </a:r>
+            <a:r>
+              <a:rPr lang="en-US" altLang="zh-CN" sz="2400" dirty="0" err="1" smtClean="0"/>
+              <a:t>Ufidelity</a:t>
+            </a:r>
+            <a:r>
+              <a:rPr lang="zh-CN" altLang="en-US" sz="2400" dirty="0" smtClean="0"/>
+              <a:t>仍大于</a:t>
+            </a:r>
+            <a:r>
+              <a:rPr lang="en-US" altLang="zh-CN" sz="2400" dirty="0" smtClean="0"/>
+              <a:t>0.99</a:t>
+            </a:r>
+            <a:r>
+              <a:rPr lang="zh-CN" altLang="en-US" sz="2400" dirty="0" smtClean="0"/>
+              <a:t>的最小</a:t>
+            </a:r>
+            <a:r>
+              <a:rPr lang="en-US" altLang="zh-CN" sz="2400" dirty="0" smtClean="0"/>
+              <a:t>wq3</a:t>
+            </a:r>
+            <a:r>
+              <a:rPr lang="zh-CN" altLang="en-US" sz="2400" dirty="0" smtClean="0"/>
+              <a:t>为</a:t>
+            </a:r>
+            <a:r>
+              <a:rPr lang="en-US" altLang="zh-CN" sz="2400" dirty="0" smtClean="0"/>
+              <a:t>5.115G</a:t>
+            </a:r>
+            <a:r>
+              <a:rPr lang="zh-CN" altLang="en-US" sz="2400" dirty="0" smtClean="0"/>
+              <a:t>，距</a:t>
+            </a:r>
+            <a:r>
+              <a:rPr lang="en-US" altLang="zh-CN" sz="2400" dirty="0" smtClean="0"/>
+              <a:t>5.042G</a:t>
+            </a:r>
+            <a:r>
+              <a:rPr lang="zh-CN" altLang="en-US" sz="2400" dirty="0" smtClean="0"/>
+              <a:t>为</a:t>
+            </a:r>
+            <a:r>
+              <a:rPr lang="en-US" altLang="zh-CN" sz="2400" dirty="0" smtClean="0"/>
+              <a:t>73M</a:t>
+            </a:r>
+            <a:r>
+              <a:rPr lang="zh-CN" altLang="en-US" sz="2400" dirty="0" smtClean="0"/>
+              <a:t>，临近</a:t>
+            </a:r>
+            <a:r>
+              <a:rPr lang="en-US" altLang="zh-CN" sz="2400" dirty="0" err="1" smtClean="0"/>
+              <a:t>qubit</a:t>
+            </a:r>
+            <a:r>
+              <a:rPr lang="zh-CN" altLang="en-US" sz="2400" dirty="0"/>
+              <a:t>频率</a:t>
+            </a:r>
+            <a:r>
+              <a:rPr lang="zh-CN" altLang="en-US" sz="2400" dirty="0" smtClean="0"/>
+              <a:t>差最好超过</a:t>
+            </a:r>
+            <a:r>
+              <a:rPr lang="en-US" altLang="zh-CN" sz="2400" dirty="0" smtClean="0"/>
+              <a:t>73M</a:t>
+            </a:r>
+            <a:endParaRPr lang="zh-CN" altLang="en-US" sz="2400" dirty="0"/>
+          </a:p>
+        </p:txBody>
+      </p:sp>
+      <p:pic>
+        <p:nvPicPr>
+          <p:cNvPr id="8194" name="Picture 2" descr="F:\laboratory\Sync\程序\programme\two qubit gate\CZgate\IBM\result\临近比特影响\wq3_fine.png"/>
+          <p:cNvPicPr>
+            <a:picLocks noChangeAspect="1" noChangeArrowheads="1"/>
+          </p:cNvPicPr>
+          <p:nvPr/>
+        </p:nvPicPr>
+        <p:blipFill>
+          <a:blip r:embed="rId2">
+            <a:extLst>
+              <a:ext uri="{28A0092B-C50C-407E-A947-70E740481C1C}">
+                <a14:useLocalDpi xmlns:a14="http://schemas.microsoft.com/office/drawing/2010/main" val="0"/>
+              </a:ext>
+            </a:extLst>
+          </a:blip>
+          <a:srcRect/>
+          <a:stretch>
+            <a:fillRect/>
+          </a:stretch>
+        </p:blipFill>
+        <p:spPr bwMode="auto">
+          <a:xfrm>
+            <a:off x="3215959" y="2643878"/>
+            <a:ext cx="4629594" cy="3472823"/>
+          </a:xfrm>
+          <a:prstGeom prst="rect">
+            <a:avLst/>
+          </a:prstGeom>
+          <a:noFill/>
+          <a:extLst>
+            <a:ext uri="{909E8E84-426E-40DD-AFC4-6F175D3DCCD1}">
+              <a14:hiddenFill xmlns:a14="http://schemas.microsoft.com/office/drawing/2010/main">
+                <a:solidFill>
+                  <a:srgbClr val="FFFFFF"/>
+                </a:solidFill>
+              </a14:hiddenFill>
+            </a:ext>
+          </a:extLst>
+        </p:spPr>
+      </p:pic>
+    </p:spTree>
+    <p:extLst>
+      <p:ext uri="{BB962C8B-B14F-4D97-AF65-F5344CB8AC3E}">
+        <p14:creationId xmlns:p14="http://schemas.microsoft.com/office/powerpoint/2010/main" val="4226786222"/>
+      </p:ext>
+    </p:extLst>
+  </p:cSld>
+  <p:clrMapOvr>
+    <a:masterClrMapping/>
+  </p:clrMapOvr>
+</p:sld>
+</file>
+
 <file path=ppt/slides/slide4.xml><?xml version="1.0" encoding="utf-8"?>
 <p:sld xmlns:a="http://schemas.openxmlformats.org/drawingml/2006/main" xmlns:r="http://schemas.openxmlformats.org/officeDocument/2006/relationships" xmlns:p="http://schemas.openxmlformats.org/presentationml/2006/main">
   <p:cSld>
@@ -13701,6 +16327,287 @@
     <p:extLst>
       <p:ext uri="{BB962C8B-B14F-4D97-AF65-F5344CB8AC3E}">
         <p14:creationId xmlns:p14="http://schemas.microsoft.com/office/powerpoint/2010/main" val="2758710238"/>
+      </p:ext>
+    </p:extLst>
+  </p:cSld>
+  <p:clrMapOvr>
+    <a:masterClrMapping/>
+  </p:clrMapOvr>
+</p:sld>
+</file>
+
+<file path=ppt/slides/slide40.xml><?xml version="1.0" encoding="utf-8"?>
+<p:sld xmlns:a="http://schemas.openxmlformats.org/drawingml/2006/main" xmlns:r="http://schemas.openxmlformats.org/officeDocument/2006/relationships" xmlns:p="http://schemas.openxmlformats.org/presentationml/2006/main">
+  <p:cSld>
+    <p:spTree>
+      <p:nvGrpSpPr>
+        <p:cNvPr id="1" name=""/>
+        <p:cNvGrpSpPr/>
+        <p:nvPr/>
+      </p:nvGrpSpPr>
+      <p:grpSpPr>
+        <a:xfrm>
+          <a:off x="0" y="0"/>
+          <a:ext cx="0" cy="0"/>
+          <a:chOff x="0" y="0"/>
+          <a:chExt cx="0" cy="0"/>
+        </a:xfrm>
+      </p:grpSpPr>
+      <p:sp>
+        <p:nvSpPr>
+          <p:cNvPr id="2" name="标题 1"/>
+          <p:cNvSpPr>
+            <a:spLocks noGrp="1"/>
+          </p:cNvSpPr>
+          <p:nvPr>
+            <p:ph type="title"/>
+          </p:nvPr>
+        </p:nvSpPr>
+        <p:spPr/>
+        <p:txBody>
+          <a:bodyPr/>
+          <a:lstStyle/>
+          <a:p>
+            <a:pPr algn="ctr"/>
+            <a:r>
+              <a:rPr lang="en-US" altLang="zh-CN" dirty="0" err="1">
+                <a:latin typeface="+mj-ea"/>
+              </a:rPr>
+              <a:t>Qubit</a:t>
+            </a:r>
+            <a:r>
+              <a:rPr lang="zh-CN" altLang="en-US" dirty="0">
+                <a:latin typeface="+mj-ea"/>
+              </a:rPr>
+              <a:t>频率选取</a:t>
+            </a:r>
+            <a:endParaRPr lang="zh-CN" altLang="en-US" dirty="0"/>
+          </a:p>
+        </p:txBody>
+      </p:sp>
+      <p:sp>
+        <p:nvSpPr>
+          <p:cNvPr id="3" name="内容占位符 2"/>
+          <p:cNvSpPr>
+            <a:spLocks noGrp="1"/>
+          </p:cNvSpPr>
+          <p:nvPr>
+            <p:ph idx="1"/>
+          </p:nvPr>
+        </p:nvSpPr>
+        <p:spPr/>
+        <p:txBody>
+          <a:bodyPr/>
+          <a:lstStyle/>
+          <a:p>
+            <a:r>
+              <a:rPr lang="zh-CN" altLang="en-US" dirty="0" smtClean="0"/>
+              <a:t>与</a:t>
+            </a:r>
+            <a:r>
+              <a:rPr lang="en-US" altLang="zh-CN" dirty="0" smtClean="0"/>
+              <a:t>IBM16</a:t>
+            </a:r>
+            <a:r>
+              <a:rPr lang="zh-CN" altLang="en-US" dirty="0" smtClean="0"/>
+              <a:t>比特差别：我们这里频率选用与</a:t>
+            </a:r>
+            <a:r>
+              <a:rPr lang="en-US" altLang="zh-CN" dirty="0" smtClean="0"/>
+              <a:t>IBM</a:t>
+            </a:r>
+            <a:r>
+              <a:rPr lang="zh-CN" altLang="en-US" dirty="0" smtClean="0"/>
+              <a:t>相同，但选用的耦合强度为</a:t>
+            </a:r>
+            <a:r>
+              <a:rPr lang="en-US" altLang="zh-CN" dirty="0" smtClean="0"/>
+              <a:t>3.8M</a:t>
+            </a:r>
+            <a:r>
+              <a:rPr lang="zh-CN" altLang="en-US" dirty="0" smtClean="0"/>
+              <a:t>，而</a:t>
+            </a:r>
+            <a:r>
+              <a:rPr lang="en-US" altLang="zh-CN" dirty="0" smtClean="0"/>
+              <a:t>IBM16</a:t>
+            </a:r>
+            <a:r>
+              <a:rPr lang="zh-CN" altLang="en-US" dirty="0" smtClean="0"/>
+              <a:t>比特耦合强度通过他给出的</a:t>
+            </a:r>
+            <a:r>
+              <a:rPr lang="en-US" altLang="zh-CN" dirty="0" smtClean="0"/>
+              <a:t>ZZ</a:t>
+            </a:r>
+            <a:r>
+              <a:rPr lang="zh-CN" altLang="en-US" dirty="0" smtClean="0"/>
+              <a:t>效应表单推测，大约在</a:t>
+            </a:r>
+            <a:r>
+              <a:rPr lang="en-US" altLang="zh-CN" dirty="0" smtClean="0"/>
+              <a:t>1~2M</a:t>
+            </a:r>
+            <a:r>
+              <a:rPr lang="zh-CN" altLang="en-US" dirty="0" smtClean="0"/>
+              <a:t>。这样临近比特频率差应该可以比</a:t>
+            </a:r>
+            <a:r>
+              <a:rPr lang="en-US" altLang="zh-CN" dirty="0" smtClean="0"/>
+              <a:t>73M</a:t>
+            </a:r>
+            <a:r>
+              <a:rPr lang="zh-CN" altLang="en-US" dirty="0" smtClean="0"/>
+              <a:t>小</a:t>
+            </a:r>
+            <a:endParaRPr lang="zh-CN" altLang="en-US" dirty="0"/>
+          </a:p>
+        </p:txBody>
+      </p:sp>
+    </p:spTree>
+    <p:extLst>
+      <p:ext uri="{BB962C8B-B14F-4D97-AF65-F5344CB8AC3E}">
+        <p14:creationId xmlns:p14="http://schemas.microsoft.com/office/powerpoint/2010/main" val="2420158082"/>
+      </p:ext>
+    </p:extLst>
+  </p:cSld>
+  <p:clrMapOvr>
+    <a:masterClrMapping/>
+  </p:clrMapOvr>
+</p:sld>
+</file>
+
+<file path=ppt/slides/slide41.xml><?xml version="1.0" encoding="utf-8"?>
+<p:sld xmlns:a="http://schemas.openxmlformats.org/drawingml/2006/main" xmlns:r="http://schemas.openxmlformats.org/officeDocument/2006/relationships" xmlns:p="http://schemas.openxmlformats.org/presentationml/2006/main">
+  <p:cSld>
+    <p:spTree>
+      <p:nvGrpSpPr>
+        <p:cNvPr id="1" name=""/>
+        <p:cNvGrpSpPr/>
+        <p:nvPr/>
+      </p:nvGrpSpPr>
+      <p:grpSpPr>
+        <a:xfrm>
+          <a:off x="0" y="0"/>
+          <a:ext cx="0" cy="0"/>
+          <a:chOff x="0" y="0"/>
+          <a:chExt cx="0" cy="0"/>
+        </a:xfrm>
+      </p:grpSpPr>
+      <p:sp>
+        <p:nvSpPr>
+          <p:cNvPr id="2" name="标题 1"/>
+          <p:cNvSpPr>
+            <a:spLocks noGrp="1"/>
+          </p:cNvSpPr>
+          <p:nvPr>
+            <p:ph type="title"/>
+          </p:nvPr>
+        </p:nvSpPr>
+        <p:spPr/>
+        <p:txBody>
+          <a:bodyPr/>
+          <a:lstStyle/>
+          <a:p>
+            <a:pPr algn="ctr"/>
+            <a:r>
+              <a:rPr lang="en-US" altLang="zh-CN" dirty="0" err="1">
+                <a:latin typeface="+mj-ea"/>
+              </a:rPr>
+              <a:t>Qubit</a:t>
+            </a:r>
+            <a:r>
+              <a:rPr lang="zh-CN" altLang="en-US" dirty="0">
+                <a:latin typeface="+mj-ea"/>
+              </a:rPr>
+              <a:t>频率选取</a:t>
+            </a:r>
+            <a:endParaRPr lang="zh-CN" altLang="en-US" dirty="0"/>
+          </a:p>
+        </p:txBody>
+      </p:sp>
+      <p:sp>
+        <p:nvSpPr>
+          <p:cNvPr id="3" name="内容占位符 2"/>
+          <p:cNvSpPr>
+            <a:spLocks noGrp="1"/>
+          </p:cNvSpPr>
+          <p:nvPr>
+            <p:ph idx="1"/>
+          </p:nvPr>
+        </p:nvSpPr>
+        <p:spPr/>
+        <p:txBody>
+          <a:bodyPr/>
+          <a:lstStyle/>
+          <a:p>
+            <a:r>
+              <a:rPr lang="zh-CN" altLang="en-US" dirty="0" smtClean="0"/>
+              <a:t>通过现有的信息分析，我认为</a:t>
+            </a:r>
+            <a:r>
+              <a:rPr lang="zh-CN" altLang="en-US" dirty="0"/>
+              <a:t>先由高到低，再由低到</a:t>
+            </a:r>
+            <a:r>
+              <a:rPr lang="zh-CN" altLang="en-US" dirty="0" smtClean="0"/>
+              <a:t>高的</a:t>
+            </a:r>
+            <a:r>
+              <a:rPr lang="en-US" altLang="zh-CN" dirty="0" smtClean="0"/>
+              <a:t>W</a:t>
+            </a:r>
+            <a:r>
+              <a:rPr lang="zh-CN" altLang="en-US" dirty="0" smtClean="0"/>
+              <a:t>型结构是个比较好的能级排列方式。</a:t>
+            </a:r>
+            <a:endParaRPr lang="en-US" altLang="zh-CN" dirty="0" smtClean="0"/>
+          </a:p>
+          <a:p>
+            <a:r>
+              <a:rPr lang="zh-CN" altLang="en-US" dirty="0" smtClean="0"/>
+              <a:t>耦合强度取</a:t>
+            </a:r>
+            <a:r>
+              <a:rPr lang="en-US" altLang="zh-CN" dirty="0" smtClean="0"/>
+              <a:t>3.8M</a:t>
+            </a:r>
+            <a:r>
+              <a:rPr lang="zh-CN" altLang="en-US" dirty="0" smtClean="0"/>
+              <a:t>，相邻比特频率在</a:t>
+            </a:r>
+            <a:r>
+              <a:rPr lang="en-US" altLang="zh-CN" dirty="0" smtClean="0"/>
+              <a:t>80~90M</a:t>
+            </a:r>
+            <a:r>
+              <a:rPr lang="zh-CN" altLang="en-US" dirty="0" smtClean="0"/>
+              <a:t>左右，</a:t>
+            </a:r>
+            <a:r>
+              <a:rPr lang="en-US" altLang="zh-CN" dirty="0" smtClean="0"/>
+              <a:t>TCT</a:t>
+            </a:r>
+            <a:r>
+              <a:rPr lang="zh-CN" altLang="en-US" dirty="0" smtClean="0"/>
+              <a:t>模型的次临近在</a:t>
+            </a:r>
+            <a:r>
+              <a:rPr lang="en-US" altLang="zh-CN" dirty="0" smtClean="0"/>
+              <a:t>40M</a:t>
+            </a:r>
+            <a:r>
+              <a:rPr lang="zh-CN" altLang="en-US" smtClean="0"/>
+              <a:t>左右</a:t>
+            </a:r>
+            <a:endParaRPr lang="zh-CN" altLang="en-US" dirty="0"/>
+          </a:p>
+        </p:txBody>
+      </p:sp>
+    </p:spTree>
+    <p:extLst>
+      <p:ext uri="{BB962C8B-B14F-4D97-AF65-F5344CB8AC3E}">
+        <p14:creationId xmlns:p14="http://schemas.microsoft.com/office/powerpoint/2010/main" val="931262986"/>
       </p:ext>
     </p:extLst>
   </p:cSld>
@@ -15897,7 +18804,7 @@
   <a:extraClrSchemeLst/>
   <a:extLst>
     <a:ext uri="{05A4C25C-085E-4340-85A3-A5531E510DB2}">
-      <thm15:themeFamily xmlns="" xmlns:thm15="http://schemas.microsoft.com/office/thememl/2012/main" name="Office Theme" id="{62F939B6-93AF-4DB8-9C6B-D6C7DFDC589F}" vid="{4A3C46E8-61CC-4603-A589-7422A47A8E4A}"/>
+      <thm15:themeFamily xmlns:thm15="http://schemas.microsoft.com/office/thememl/2012/main" xmlns="" name="Office Theme" id="{62F939B6-93AF-4DB8-9C6B-D6C7DFDC589F}" vid="{4A3C46E8-61CC-4603-A589-7422A47A8E4A}"/>
     </a:ext>
   </a:extLst>
 </a:theme>
